--- a/ppt/chapter 10.pptx
+++ b/ppt/chapter 10.pptx
@@ -5,10 +5,10 @@
     <p:sldMasterId id="2147483649" r:id="rId1"/>
   </p:sldMasterIdLst>
   <p:notesMasterIdLst>
-    <p:notesMasterId r:id="rId92"/>
+    <p:notesMasterId r:id="rId91"/>
   </p:notesMasterIdLst>
   <p:handoutMasterIdLst>
-    <p:handoutMasterId r:id="rId93"/>
+    <p:handoutMasterId r:id="rId92"/>
   </p:handoutMasterIdLst>
   <p:sldIdLst>
     <p:sldId id="389" r:id="rId2"/>
@@ -82,25 +82,24 @@
     <p:sldId id="361" r:id="rId70"/>
     <p:sldId id="362" r:id="rId71"/>
     <p:sldId id="399" r:id="rId72"/>
-    <p:sldId id="400" r:id="rId73"/>
-    <p:sldId id="363" r:id="rId74"/>
-    <p:sldId id="364" r:id="rId75"/>
-    <p:sldId id="365" r:id="rId76"/>
-    <p:sldId id="366" r:id="rId77"/>
-    <p:sldId id="367" r:id="rId78"/>
-    <p:sldId id="368" r:id="rId79"/>
-    <p:sldId id="369" r:id="rId80"/>
-    <p:sldId id="370" r:id="rId81"/>
-    <p:sldId id="372" r:id="rId82"/>
-    <p:sldId id="373" r:id="rId83"/>
-    <p:sldId id="374" r:id="rId84"/>
-    <p:sldId id="375" r:id="rId85"/>
-    <p:sldId id="387" r:id="rId86"/>
-    <p:sldId id="376" r:id="rId87"/>
-    <p:sldId id="378" r:id="rId88"/>
-    <p:sldId id="379" r:id="rId89"/>
-    <p:sldId id="380" r:id="rId90"/>
-    <p:sldId id="388" r:id="rId91"/>
+    <p:sldId id="363" r:id="rId73"/>
+    <p:sldId id="364" r:id="rId74"/>
+    <p:sldId id="365" r:id="rId75"/>
+    <p:sldId id="366" r:id="rId76"/>
+    <p:sldId id="367" r:id="rId77"/>
+    <p:sldId id="368" r:id="rId78"/>
+    <p:sldId id="369" r:id="rId79"/>
+    <p:sldId id="370" r:id="rId80"/>
+    <p:sldId id="372" r:id="rId81"/>
+    <p:sldId id="373" r:id="rId82"/>
+    <p:sldId id="374" r:id="rId83"/>
+    <p:sldId id="375" r:id="rId84"/>
+    <p:sldId id="387" r:id="rId85"/>
+    <p:sldId id="376" r:id="rId86"/>
+    <p:sldId id="378" r:id="rId87"/>
+    <p:sldId id="379" r:id="rId88"/>
+    <p:sldId id="380" r:id="rId89"/>
+    <p:sldId id="388" r:id="rId90"/>
   </p:sldIdLst>
   <p:sldSz cx="9144000" cy="6858000" type="letter"/>
   <p:notesSz cx="6858000" cy="9144000"/>
@@ -1324,90 +1323,6 @@
     <p:extLst>
       <p:ext uri="{BB962C8B-B14F-4D97-AF65-F5344CB8AC3E}">
         <p14:creationId xmlns:p14="http://schemas.microsoft.com/office/powerpoint/2010/main" val="2465224626"/>
-      </p:ext>
-    </p:extLst>
-  </p:cSld>
-  <p:clrMapOvr>
-    <a:masterClrMapping/>
-  </p:clrMapOvr>
-</p:notes>
-</file>
-
-<file path=ppt/notesSlides/notesSlide3.xml><?xml version="1.0" encoding="utf-8"?>
-<p:notes xmlns:a="http://schemas.openxmlformats.org/drawingml/2006/main" xmlns:r="http://schemas.openxmlformats.org/officeDocument/2006/relationships" xmlns:p="http://schemas.openxmlformats.org/presentationml/2006/main">
-  <p:cSld>
-    <p:spTree>
-      <p:nvGrpSpPr>
-        <p:cNvPr id="1" name=""/>
-        <p:cNvGrpSpPr/>
-        <p:nvPr/>
-      </p:nvGrpSpPr>
-      <p:grpSpPr>
-        <a:xfrm>
-          <a:off x="0" y="0"/>
-          <a:ext cx="0" cy="0"/>
-          <a:chOff x="0" y="0"/>
-          <a:chExt cx="0" cy="0"/>
-        </a:xfrm>
-      </p:grpSpPr>
-      <p:sp>
-        <p:nvSpPr>
-          <p:cNvPr id="2" name="幻灯片图像占位符 1"/>
-          <p:cNvSpPr>
-            <a:spLocks noGrp="1" noRot="1" noChangeAspect="1"/>
-          </p:cNvSpPr>
-          <p:nvPr>
-            <p:ph type="sldImg"/>
-          </p:nvPr>
-        </p:nvSpPr>
-        <p:spPr/>
-      </p:sp>
-      <p:sp>
-        <p:nvSpPr>
-          <p:cNvPr id="3" name="备注占位符 2"/>
-          <p:cNvSpPr>
-            <a:spLocks noGrp="1"/>
-          </p:cNvSpPr>
-          <p:nvPr>
-            <p:ph type="body" idx="1"/>
-          </p:nvPr>
-        </p:nvSpPr>
-        <p:spPr/>
-        <p:txBody>
-          <a:bodyPr/>
-          <a:lstStyle/>
-          <a:p>
-            <a:endParaRPr lang="zh-CN" altLang="en-US" dirty="0"/>
-          </a:p>
-        </p:txBody>
-      </p:sp>
-      <p:sp>
-        <p:nvSpPr>
-          <p:cNvPr id="4" name="灯片编号占位符 3"/>
-          <p:cNvSpPr>
-            <a:spLocks noGrp="1"/>
-          </p:cNvSpPr>
-          <p:nvPr>
-            <p:ph type="sldNum" sz="quarter" idx="10"/>
-          </p:nvPr>
-        </p:nvSpPr>
-        <p:spPr/>
-        <p:txBody>
-          <a:bodyPr/>
-          <a:lstStyle/>
-          <a:p>
-            <a:fld id="{EAAA54E0-E54F-4192-A255-6BED4914879F}" type="slidenum">
-              <a:rPr lang="zh-CN" altLang="en-US" smtClean="0"/>
-              <a:t>72</a:t>
-            </a:fld>
-            <a:endParaRPr lang="zh-CN" altLang="en-US"/>
-          </a:p>
-        </p:txBody>
-      </p:sp>
-    </p:spTree>
-    <p:extLst>
-      <p:ext uri="{BB962C8B-B14F-4D97-AF65-F5344CB8AC3E}">
-        <p14:creationId xmlns:p14="http://schemas.microsoft.com/office/powerpoint/2010/main" val="1333041288"/>
       </p:ext>
     </p:extLst>
   </p:cSld>
@@ -25929,7 +25844,7 @@
           <a:lstStyle/>
           <a:p>
             <a:r>
-              <a:rPr lang="en-US" altLang="zh-CN" smtClean="0"/>
+              <a:rPr lang="en-US" altLang="zh-CN" dirty="0" smtClean="0"/>
               <a:t>Test</a:t>
             </a:r>
             <a:endParaRPr lang="zh-CN" altLang="en-US" dirty="0"/>
@@ -26124,120 +26039,7 @@
       </p:grpSpPr>
       <p:sp>
         <p:nvSpPr>
-          <p:cNvPr id="2" name="标题 1"/>
-          <p:cNvSpPr>
-            <a:spLocks noGrp="1"/>
-          </p:cNvSpPr>
-          <p:nvPr>
-            <p:ph type="title"/>
-          </p:nvPr>
-        </p:nvSpPr>
-        <p:spPr/>
-        <p:txBody>
-          <a:bodyPr/>
-          <a:lstStyle/>
-          <a:p>
-            <a:r>
-              <a:rPr lang="en-US" altLang="zh-CN" dirty="0" smtClean="0"/>
-              <a:t>Project submit</a:t>
-            </a:r>
-            <a:endParaRPr lang="zh-CN" altLang="en-US" dirty="0"/>
-          </a:p>
-        </p:txBody>
-      </p:sp>
-      <p:sp>
-        <p:nvSpPr>
-          <p:cNvPr id="3" name="内容占位符 2"/>
-          <p:cNvSpPr>
-            <a:spLocks noGrp="1"/>
-          </p:cNvSpPr>
-          <p:nvPr>
-            <p:ph idx="1"/>
-          </p:nvPr>
-        </p:nvSpPr>
-        <p:spPr>
-          <a:xfrm>
-            <a:off x="749250" y="1955561"/>
-            <a:ext cx="7886700" cy="3263504"/>
-          </a:xfrm>
-        </p:spPr>
-        <p:txBody>
-          <a:bodyPr>
-            <a:normAutofit/>
-          </a:bodyPr>
-          <a:lstStyle/>
-          <a:p>
-            <a:pPr marL="0" indent="0">
-              <a:buNone/>
-            </a:pPr>
-            <a:r>
-              <a:rPr lang="en-US" altLang="zh-CN" sz="2700" dirty="0"/>
-              <a:t>172.18.5.102</a:t>
-            </a:r>
-          </a:p>
-          <a:p>
-            <a:pPr marL="0" indent="0">
-              <a:buNone/>
-            </a:pPr>
-            <a:r>
-              <a:rPr lang="en-US" altLang="zh-CN" sz="2700" dirty="0"/>
-              <a:t>User:  </a:t>
-            </a:r>
-            <a:r>
-              <a:rPr lang="en-US" altLang="zh-CN" sz="2700" dirty="0" err="1"/>
-              <a:t>dailiyun</a:t>
-            </a:r>
-            <a:endParaRPr lang="en-US" altLang="zh-CN" sz="2700" dirty="0"/>
-          </a:p>
-          <a:p>
-            <a:pPr marL="0" indent="0">
-              <a:buNone/>
-            </a:pPr>
-            <a:r>
-              <a:rPr lang="en-US" altLang="zh-CN" sz="2700" dirty="0"/>
-              <a:t>Password: </a:t>
-            </a:r>
-            <a:r>
-              <a:rPr lang="en-US" altLang="zh-CN" sz="2700" dirty="0" err="1"/>
-              <a:t>dailiyun</a:t>
-            </a:r>
-            <a:endParaRPr lang="en-US" altLang="zh-CN" sz="2700" dirty="0"/>
-          </a:p>
-          <a:p>
-            <a:pPr marL="0" indent="0">
-              <a:buNone/>
-            </a:pPr>
-            <a:endParaRPr lang="zh-CN" altLang="en-US" sz="2700" dirty="0"/>
-          </a:p>
-        </p:txBody>
-      </p:sp>
-      <p:pic>
-        <p:nvPicPr>
-          <p:cNvPr id="4" name="图片 3"/>
-          <p:cNvPicPr>
-            <a:picLocks noChangeAspect="1"/>
-          </p:cNvPicPr>
-          <p:nvPr/>
-        </p:nvPicPr>
-        <p:blipFill>
-          <a:blip r:embed="rId3"/>
-          <a:stretch>
-            <a:fillRect/>
-          </a:stretch>
-        </p:blipFill>
-        <p:spPr>
-          <a:xfrm>
-            <a:off x="906746" y="3368405"/>
-            <a:ext cx="5887623" cy="2388426"/>
-          </a:xfrm>
-          <a:prstGeom prst="rect">
-            <a:avLst/>
-          </a:prstGeom>
-        </p:spPr>
-      </p:pic>
-      <p:sp>
-        <p:nvSpPr>
-          <p:cNvPr id="5" name="幻灯片编号占位符 4"/>
+          <p:cNvPr id="5" name="灯片编号占位符 2"/>
           <p:cNvSpPr>
             <a:spLocks noGrp="1"/>
           </p:cNvSpPr>
@@ -26251,74 +26053,13 @@
           <a:lstStyle/>
           <a:p>
             <a:r>
-              <a:rPr lang="en-US" altLang="zh-CN" smtClean="0"/>
+              <a:rPr lang="en-US" altLang="zh-CN" dirty="0" smtClean="0"/>
               <a:t>Slide 10- </a:t>
             </a:r>
-            <a:fld id="{FA56F4C1-121C-45D7-B65B-0E767F5B5E69}" type="slidenum">
+            <a:fld id="{FD575487-5C37-439F-BB27-866566065EF2}" type="slidenum">
               <a:rPr lang="en-US" altLang="zh-CN" smtClean="0"/>
               <a:pPr/>
               <a:t>72</a:t>
-            </a:fld>
-            <a:endParaRPr lang="en-CA" altLang="zh-CN" dirty="0">
-              <a:ea typeface="宋体" panose="02010600030101010101" pitchFamily="2" charset="-122"/>
-            </a:endParaRPr>
-          </a:p>
-        </p:txBody>
-      </p:sp>
-    </p:spTree>
-    <p:extLst>
-      <p:ext uri="{BB962C8B-B14F-4D97-AF65-F5344CB8AC3E}">
-        <p14:creationId xmlns:p14="http://schemas.microsoft.com/office/powerpoint/2010/main" val="1623593869"/>
-      </p:ext>
-    </p:extLst>
-  </p:cSld>
-  <p:clrMapOvr>
-    <a:masterClrMapping/>
-  </p:clrMapOvr>
-  <p:transition spd="med"/>
-</p:sld>
-</file>
-
-<file path=ppt/slides/slide73.xml><?xml version="1.0" encoding="utf-8"?>
-<p:sld xmlns:a="http://schemas.openxmlformats.org/drawingml/2006/main" xmlns:r="http://schemas.openxmlformats.org/officeDocument/2006/relationships" xmlns:p="http://schemas.openxmlformats.org/presentationml/2006/main">
-  <p:cSld>
-    <p:spTree>
-      <p:nvGrpSpPr>
-        <p:cNvPr id="1" name=""/>
-        <p:cNvGrpSpPr/>
-        <p:nvPr/>
-      </p:nvGrpSpPr>
-      <p:grpSpPr>
-        <a:xfrm>
-          <a:off x="0" y="0"/>
-          <a:ext cx="0" cy="0"/>
-          <a:chOff x="0" y="0"/>
-          <a:chExt cx="0" cy="0"/>
-        </a:xfrm>
-      </p:grpSpPr>
-      <p:sp>
-        <p:nvSpPr>
-          <p:cNvPr id="5" name="灯片编号占位符 2"/>
-          <p:cNvSpPr>
-            <a:spLocks noGrp="1"/>
-          </p:cNvSpPr>
-          <p:nvPr>
-            <p:ph type="sldNum" sz="quarter" idx="10"/>
-          </p:nvPr>
-        </p:nvSpPr>
-        <p:spPr/>
-        <p:txBody>
-          <a:bodyPr/>
-          <a:lstStyle/>
-          <a:p>
-            <a:r>
-              <a:rPr lang="en-US" altLang="zh-CN" dirty="0" smtClean="0"/>
-              <a:t>Slide 10- </a:t>
-            </a:r>
-            <a:fld id="{FD575487-5C37-439F-BB27-866566065EF2}" type="slidenum">
-              <a:rPr lang="en-US" altLang="zh-CN" smtClean="0"/>
-              <a:pPr/>
-              <a:t>73</a:t>
             </a:fld>
             <a:endParaRPr lang="en-CA" altLang="zh-CN" dirty="0">
               <a:ea typeface="宋体" panose="02010600030101010101" pitchFamily="2" charset="-122"/>
@@ -26458,6 +26199,353 @@
             <a:r>
               <a:rPr lang="en-US" altLang="zh-CN" dirty="0"/>
               <a:t>-- End</a:t>
+            </a:r>
+          </a:p>
+        </p:txBody>
+      </p:sp>
+    </p:spTree>
+  </p:cSld>
+  <p:clrMapOvr>
+    <a:masterClrMapping/>
+  </p:clrMapOvr>
+  <p:transition spd="med" advClick="0">
+    <p:wipe dir="r"/>
+  </p:transition>
+  <p:timing>
+    <p:tnLst>
+      <p:par>
+        <p:cTn id="1" dur="indefinite" restart="never" nodeType="tmRoot"/>
+      </p:par>
+    </p:tnLst>
+  </p:timing>
+</p:sld>
+</file>
+
+<file path=ppt/slides/slide73.xml><?xml version="1.0" encoding="utf-8"?>
+<p:sld xmlns:a="http://schemas.openxmlformats.org/drawingml/2006/main" xmlns:r="http://schemas.openxmlformats.org/officeDocument/2006/relationships" xmlns:p="http://schemas.openxmlformats.org/presentationml/2006/main">
+  <p:cSld>
+    <p:spTree>
+      <p:nvGrpSpPr>
+        <p:cNvPr id="1" name=""/>
+        <p:cNvGrpSpPr/>
+        <p:nvPr/>
+      </p:nvGrpSpPr>
+      <p:grpSpPr>
+        <a:xfrm>
+          <a:off x="0" y="0"/>
+          <a:ext cx="0" cy="0"/>
+          <a:chOff x="0" y="0"/>
+          <a:chExt cx="0" cy="0"/>
+        </a:xfrm>
+      </p:grpSpPr>
+      <p:sp>
+        <p:nvSpPr>
+          <p:cNvPr id="7" name="灯片编号占位符 2"/>
+          <p:cNvSpPr>
+            <a:spLocks noGrp="1"/>
+          </p:cNvSpPr>
+          <p:nvPr>
+            <p:ph type="sldNum" sz="quarter" idx="10"/>
+          </p:nvPr>
+        </p:nvSpPr>
+        <p:spPr/>
+        <p:txBody>
+          <a:bodyPr/>
+          <a:lstStyle/>
+          <a:p>
+            <a:r>
+              <a:rPr lang="en-US" altLang="zh-CN" dirty="0" smtClean="0"/>
+              <a:t>Slide 10- </a:t>
+            </a:r>
+            <a:fld id="{6E15EE0E-E0FC-48DC-AF35-32A4C33431B4}" type="slidenum">
+              <a:rPr lang="en-US" altLang="zh-CN" smtClean="0"/>
+              <a:pPr/>
+              <a:t>73</a:t>
+            </a:fld>
+            <a:endParaRPr lang="en-CA" altLang="zh-CN" dirty="0">
+              <a:ea typeface="宋体" panose="02010600030101010101" pitchFamily="2" charset="-122"/>
+            </a:endParaRPr>
+          </a:p>
+        </p:txBody>
+      </p:sp>
+      <p:sp>
+        <p:nvSpPr>
+          <p:cNvPr id="579590" name="Rectangle 6"/>
+          <p:cNvSpPr>
+            <a:spLocks noChangeArrowheads="1"/>
+          </p:cNvSpPr>
+          <p:nvPr/>
+        </p:nvSpPr>
+        <p:spPr bwMode="auto">
+          <a:xfrm>
+            <a:off x="0" y="0"/>
+            <a:ext cx="5035550" cy="1519238"/>
+          </a:xfrm>
+          <a:prstGeom prst="rect">
+            <a:avLst/>
+          </a:prstGeom>
+          <a:solidFill>
+            <a:schemeClr val="bg1"/>
+          </a:solidFill>
+          <a:ln>
+            <a:noFill/>
+          </a:ln>
+          <a:effectLst/>
+          <a:extLst>
+            <a:ext uri="{91240B29-F687-4F45-9708-019B960494DF}">
+              <a14:hiddenLine xmlns:a14="http://schemas.microsoft.com/office/drawing/2010/main" w="9525">
+                <a:solidFill>
+                  <a:schemeClr val="tx1"/>
+                </a:solidFill>
+                <a:miter lim="800000"/>
+                <a:headEnd/>
+                <a:tailEnd/>
+              </a14:hiddenLine>
+            </a:ext>
+            <a:ext uri="{AF507438-7753-43E0-B8FC-AC1667EBCBE1}">
+              <a14:hiddenEffects xmlns:a14="http://schemas.microsoft.com/office/drawing/2010/main">
+                <a:effectLst>
+                  <a:outerShdw dist="35921" dir="2700000" algn="ctr" rotWithShape="0">
+                    <a:schemeClr val="bg2"/>
+                  </a:outerShdw>
+                </a:effectLst>
+              </a14:hiddenEffects>
+            </a:ext>
+          </a:extLst>
+        </p:spPr>
+        <p:txBody>
+          <a:bodyPr wrap="none" anchor="ctr"/>
+          <a:lstStyle/>
+          <a:p>
+            <a:endParaRPr lang="zh-CN" altLang="en-US"/>
+          </a:p>
+        </p:txBody>
+      </p:sp>
+      <p:sp>
+        <p:nvSpPr>
+          <p:cNvPr id="579586" name="AutoShape 2">
+            <a:hlinkClick r:id="rId2" action="ppaction://hlinksldjump"/>
+          </p:cNvPr>
+          <p:cNvSpPr>
+            <a:spLocks noChangeArrowheads="1"/>
+          </p:cNvSpPr>
+          <p:nvPr/>
+        </p:nvSpPr>
+        <p:spPr bwMode="auto">
+          <a:xfrm>
+            <a:off x="6197600" y="831850"/>
+            <a:ext cx="1270000" cy="584200"/>
+          </a:xfrm>
+          <a:prstGeom prst="leftArrow">
+            <a:avLst>
+              <a:gd name="adj1" fmla="val 63046"/>
+              <a:gd name="adj2" fmla="val 43478"/>
+            </a:avLst>
+          </a:prstGeom>
+          <a:solidFill>
+            <a:srgbClr val="F8BE1A"/>
+          </a:solidFill>
+          <a:ln w="9525">
+            <a:solidFill>
+              <a:schemeClr val="tx2"/>
+            </a:solidFill>
+            <a:miter lim="800000"/>
+            <a:headEnd/>
+            <a:tailEnd/>
+          </a:ln>
+          <a:effectLst/>
+          <a:extLst>
+            <a:ext uri="{AF507438-7753-43E0-B8FC-AC1667EBCBE1}">
+              <a14:hiddenEffects xmlns:a14="http://schemas.microsoft.com/office/drawing/2010/main">
+                <a:effectLst>
+                  <a:outerShdw dist="35921" dir="2700000" algn="ctr" rotWithShape="0">
+                    <a:schemeClr val="bg2"/>
+                  </a:outerShdw>
+                </a:effectLst>
+              </a14:hiddenEffects>
+            </a:ext>
+          </a:extLst>
+        </p:spPr>
+        <p:txBody>
+          <a:bodyPr wrap="none" anchor="ctr"/>
+          <a:lstStyle/>
+          <a:p>
+            <a:pPr algn="ctr">
+              <a:spcBef>
+                <a:spcPct val="20000"/>
+              </a:spcBef>
+              <a:buClr>
+                <a:srgbClr val="CC0000"/>
+              </a:buClr>
+              <a:buFont typeface="Wingdings" panose="05000000000000000000" pitchFamily="2" charset="2"/>
+              <a:buNone/>
+            </a:pPr>
+            <a:r>
+              <a:rPr lang="en-US" altLang="zh-CN" sz="2800">
+                <a:solidFill>
+                  <a:schemeClr val="tx2"/>
+                </a:solidFill>
+              </a:rPr>
+              <a:t>Back</a:t>
+            </a:r>
+          </a:p>
+        </p:txBody>
+      </p:sp>
+      <p:sp>
+        <p:nvSpPr>
+          <p:cNvPr id="579587" name="AutoShape 3">
+            <a:hlinkClick r:id="rId3" action="ppaction://hlinksldjump"/>
+          </p:cNvPr>
+          <p:cNvSpPr>
+            <a:spLocks noChangeArrowheads="1"/>
+          </p:cNvSpPr>
+          <p:nvPr/>
+        </p:nvSpPr>
+        <p:spPr bwMode="auto">
+          <a:xfrm>
+            <a:off x="7645400" y="812800"/>
+            <a:ext cx="1066800" cy="635000"/>
+          </a:xfrm>
+          <a:prstGeom prst="rightArrow">
+            <a:avLst>
+              <a:gd name="adj1" fmla="val 57843"/>
+              <a:gd name="adj2" fmla="val 43999"/>
+            </a:avLst>
+          </a:prstGeom>
+          <a:solidFill>
+            <a:srgbClr val="F8BE1A"/>
+          </a:solidFill>
+          <a:ln w="9525">
+            <a:solidFill>
+              <a:schemeClr val="tx2"/>
+            </a:solidFill>
+            <a:miter lim="800000"/>
+            <a:headEnd/>
+            <a:tailEnd/>
+          </a:ln>
+          <a:effectLst/>
+          <a:extLst>
+            <a:ext uri="{AF507438-7753-43E0-B8FC-AC1667EBCBE1}">
+              <a14:hiddenEffects xmlns:a14="http://schemas.microsoft.com/office/drawing/2010/main">
+                <a:effectLst>
+                  <a:outerShdw dist="35921" dir="2700000" algn="ctr" rotWithShape="0">
+                    <a:schemeClr val="bg2"/>
+                  </a:outerShdw>
+                </a:effectLst>
+              </a14:hiddenEffects>
+            </a:ext>
+          </a:extLst>
+        </p:spPr>
+        <p:txBody>
+          <a:bodyPr wrap="none" anchor="ctr"/>
+          <a:lstStyle/>
+          <a:p>
+            <a:pPr algn="ctr">
+              <a:spcBef>
+                <a:spcPct val="20000"/>
+              </a:spcBef>
+              <a:buClr>
+                <a:srgbClr val="CC0000"/>
+              </a:buClr>
+              <a:buFont typeface="Wingdings" panose="05000000000000000000" pitchFamily="2" charset="2"/>
+              <a:buNone/>
+            </a:pPr>
+            <a:r>
+              <a:rPr lang="en-US" altLang="zh-CN" sz="2800">
+                <a:solidFill>
+                  <a:schemeClr val="tx2"/>
+                </a:solidFill>
+              </a:rPr>
+              <a:t>Next</a:t>
+            </a:r>
+          </a:p>
+        </p:txBody>
+      </p:sp>
+      <p:pic>
+        <p:nvPicPr>
+          <p:cNvPr id="579588" name="Picture 4" descr="06"/>
+          <p:cNvPicPr>
+            <a:picLocks noChangeAspect="1" noChangeArrowheads="1"/>
+          </p:cNvPicPr>
+          <p:nvPr/>
+        </p:nvPicPr>
+        <p:blipFill>
+          <a:blip r:embed="rId4" cstate="print">
+            <a:extLst>
+              <a:ext uri="{28A0092B-C50C-407E-A947-70E740481C1C}">
+                <a14:useLocalDpi xmlns:a14="http://schemas.microsoft.com/office/drawing/2010/main" val="0"/>
+              </a:ext>
+            </a:extLst>
+          </a:blip>
+          <a:srcRect/>
+          <a:stretch>
+            <a:fillRect/>
+          </a:stretch>
+        </p:blipFill>
+        <p:spPr bwMode="auto">
+          <a:xfrm>
+            <a:off x="152400" y="223838"/>
+            <a:ext cx="4767263" cy="6238875"/>
+          </a:xfrm>
+          <a:prstGeom prst="rect">
+            <a:avLst/>
+          </a:prstGeom>
+          <a:noFill/>
+          <a:extLst>
+            <a:ext uri="{909E8E84-426E-40DD-AFC4-6F175D3DCCD1}">
+              <a14:hiddenFill xmlns:a14="http://schemas.microsoft.com/office/drawing/2010/main">
+                <a:solidFill>
+                  <a:srgbClr val="FFFFFF"/>
+                </a:solidFill>
+              </a14:hiddenFill>
+            </a:ext>
+          </a:extLst>
+        </p:spPr>
+      </p:pic>
+      <p:sp>
+        <p:nvSpPr>
+          <p:cNvPr id="579589" name="Rectangle 5"/>
+          <p:cNvSpPr>
+            <a:spLocks noGrp="1" noChangeArrowheads="1"/>
+          </p:cNvSpPr>
+          <p:nvPr>
+            <p:ph type="title"/>
+          </p:nvPr>
+        </p:nvSpPr>
+        <p:spPr>
+          <a:xfrm>
+            <a:off x="5106988" y="228600"/>
+            <a:ext cx="3960812" cy="992188"/>
+          </a:xfrm>
+        </p:spPr>
+        <p:txBody>
+          <a:bodyPr/>
+          <a:lstStyle/>
+          <a:p>
+            <a:r>
+              <a:rPr lang="en-US" altLang="zh-CN" dirty="0"/>
+              <a:t>Display </a:t>
+            </a:r>
+            <a:r>
+              <a:rPr lang="en-US" altLang="zh-CN" dirty="0" smtClean="0">
+                <a:ea typeface="宋体" panose="02010600030101010101" pitchFamily="2" charset="-122"/>
+              </a:rPr>
+              <a:t>10</a:t>
+            </a:r>
+            <a:r>
+              <a:rPr lang="en-US" altLang="zh-CN" dirty="0" smtClean="0"/>
+              <a:t>.1  </a:t>
+            </a:r>
+            <a:r>
+              <a:rPr lang="en-US" altLang="zh-CN" dirty="0"/>
+              <a:t>(1/2)</a:t>
+            </a:r>
+            <a:br>
+              <a:rPr lang="en-US" altLang="zh-CN" dirty="0"/>
+            </a:br>
+            <a:r>
+              <a:rPr lang="en-US" altLang="zh-CN" dirty="0"/>
+              <a:t> </a:t>
             </a:r>
           </a:p>
         </p:txBody>
@@ -26499,7 +26587,7 @@
       </p:grpSpPr>
       <p:sp>
         <p:nvSpPr>
-          <p:cNvPr id="7" name="灯片编号占位符 2"/>
+          <p:cNvPr id="6" name="灯片编号占位符 2"/>
           <p:cNvSpPr>
             <a:spLocks noGrp="1"/>
           </p:cNvSpPr>
@@ -26516,7 +26604,7 @@
               <a:rPr lang="en-US" altLang="zh-CN" dirty="0" smtClean="0"/>
               <a:t>Slide 10- </a:t>
             </a:r>
-            <a:fld id="{6E15EE0E-E0FC-48DC-AF35-32A4C33431B4}" type="slidenum">
+            <a:fld id="{19A98547-6B68-4635-86C9-77D5B0322639}" type="slidenum">
               <a:rPr lang="en-US" altLang="zh-CN" smtClean="0"/>
               <a:pPr/>
               <a:t>74</a:t>
@@ -26529,7 +26617,9 @@
       </p:sp>
       <p:sp>
         <p:nvSpPr>
-          <p:cNvPr id="579590" name="Rectangle 6"/>
+          <p:cNvPr id="580610" name="AutoShape 2">
+            <a:hlinkClick r:id="rId2" action="ppaction://hlinksldjump"/>
+          </p:cNvPr>
           <p:cNvSpPr>
             <a:spLocks noChangeArrowheads="1"/>
           </p:cNvSpPr>
@@ -26537,62 +26627,7 @@
         </p:nvSpPr>
         <p:spPr bwMode="auto">
           <a:xfrm>
-            <a:off x="0" y="0"/>
-            <a:ext cx="5035550" cy="1519238"/>
-          </a:xfrm>
-          <a:prstGeom prst="rect">
-            <a:avLst/>
-          </a:prstGeom>
-          <a:solidFill>
-            <a:schemeClr val="bg1"/>
-          </a:solidFill>
-          <a:ln>
-            <a:noFill/>
-          </a:ln>
-          <a:effectLst/>
-          <a:extLst>
-            <a:ext uri="{91240B29-F687-4F45-9708-019B960494DF}">
-              <a14:hiddenLine xmlns:a14="http://schemas.microsoft.com/office/drawing/2010/main" w="9525">
-                <a:solidFill>
-                  <a:schemeClr val="tx1"/>
-                </a:solidFill>
-                <a:miter lim="800000"/>
-                <a:headEnd/>
-                <a:tailEnd/>
-              </a14:hiddenLine>
-            </a:ext>
-            <a:ext uri="{AF507438-7753-43E0-B8FC-AC1667EBCBE1}">
-              <a14:hiddenEffects xmlns:a14="http://schemas.microsoft.com/office/drawing/2010/main">
-                <a:effectLst>
-                  <a:outerShdw dist="35921" dir="2700000" algn="ctr" rotWithShape="0">
-                    <a:schemeClr val="bg2"/>
-                  </a:outerShdw>
-                </a:effectLst>
-              </a14:hiddenEffects>
-            </a:ext>
-          </a:extLst>
-        </p:spPr>
-        <p:txBody>
-          <a:bodyPr wrap="none" anchor="ctr"/>
-          <a:lstStyle/>
-          <a:p>
-            <a:endParaRPr lang="zh-CN" altLang="en-US"/>
-          </a:p>
-        </p:txBody>
-      </p:sp>
-      <p:sp>
-        <p:nvSpPr>
-          <p:cNvPr id="579586" name="AutoShape 2">
-            <a:hlinkClick r:id="rId2" action="ppaction://hlinksldjump"/>
-          </p:cNvPr>
-          <p:cNvSpPr>
-            <a:spLocks noChangeArrowheads="1"/>
-          </p:cNvSpPr>
-          <p:nvPr/>
-        </p:nvSpPr>
-        <p:spPr bwMode="auto">
-          <a:xfrm>
-            <a:off x="6197600" y="831850"/>
+            <a:off x="6197600" y="704850"/>
             <a:ext cx="1270000" cy="584200"/>
           </a:xfrm>
           <a:prstGeom prst="leftArrow">
@@ -26652,7 +26687,7 @@
       </p:sp>
       <p:sp>
         <p:nvSpPr>
-          <p:cNvPr id="579587" name="AutoShape 3">
+          <p:cNvPr id="580611" name="AutoShape 3">
             <a:hlinkClick r:id="rId3" action="ppaction://hlinksldjump"/>
           </p:cNvPr>
           <p:cNvSpPr>
@@ -26662,7 +26697,7 @@
         </p:nvSpPr>
         <p:spPr bwMode="auto">
           <a:xfrm>
-            <a:off x="7645400" y="812800"/>
+            <a:off x="7645400" y="685800"/>
             <a:ext cx="1066800" cy="635000"/>
           </a:xfrm>
           <a:prstGeom prst="rightArrow">
@@ -26722,14 +26757,14 @@
       </p:sp>
       <p:pic>
         <p:nvPicPr>
-          <p:cNvPr id="579588" name="Picture 4" descr="06"/>
+          <p:cNvPr id="580612" name="Picture 4" descr="06"/>
           <p:cNvPicPr>
             <a:picLocks noChangeAspect="1" noChangeArrowheads="1"/>
           </p:cNvPicPr>
           <p:nvPr/>
         </p:nvPicPr>
         <p:blipFill>
-          <a:blip r:embed="rId4" cstate="print">
+          <a:blip r:embed="rId4">
             <a:extLst>
               <a:ext uri="{28A0092B-C50C-407E-A947-70E740481C1C}">
                 <a14:useLocalDpi xmlns:a14="http://schemas.microsoft.com/office/drawing/2010/main" val="0"/>
@@ -26743,8 +26778,8 @@
         </p:blipFill>
         <p:spPr bwMode="auto">
           <a:xfrm>
-            <a:off x="152400" y="223838"/>
-            <a:ext cx="4767263" cy="6238875"/>
+            <a:off x="2035175" y="1533525"/>
+            <a:ext cx="5538788" cy="4914900"/>
           </a:xfrm>
           <a:prstGeom prst="rect">
             <a:avLst/>
@@ -26763,7 +26798,7 @@
       </p:pic>
       <p:sp>
         <p:nvSpPr>
-          <p:cNvPr id="579589" name="Rectangle 5"/>
+          <p:cNvPr id="580613" name="Rectangle 5"/>
           <p:cNvSpPr>
             <a:spLocks noGrp="1" noChangeArrowheads="1"/>
           </p:cNvSpPr>
@@ -26771,12 +26806,7 @@
             <p:ph type="title"/>
           </p:nvPr>
         </p:nvSpPr>
-        <p:spPr>
-          <a:xfrm>
-            <a:off x="5106988" y="228600"/>
-            <a:ext cx="3960812" cy="992188"/>
-          </a:xfrm>
-        </p:spPr>
+        <p:spPr/>
         <p:txBody>
           <a:bodyPr/>
           <a:lstStyle/>
@@ -26793,18 +26823,18 @@
             </a:r>
             <a:r>
               <a:rPr lang="en-US" altLang="zh-CN" dirty="0" smtClean="0"/>
-              <a:t>.1  </a:t>
+              <a:t>.1</a:t>
             </a:r>
             <a:r>
               <a:rPr lang="en-US" altLang="zh-CN" dirty="0"/>
-              <a:t>(1/2)</a:t>
+              <a:t/>
             </a:r>
             <a:br>
               <a:rPr lang="en-US" altLang="zh-CN" dirty="0"/>
             </a:br>
             <a:r>
               <a:rPr lang="en-US" altLang="zh-CN" dirty="0"/>
-              <a:t> </a:t>
+              <a:t>(2/2)</a:t>
             </a:r>
           </a:p>
         </p:txBody>
@@ -26863,7 +26893,7 @@
               <a:rPr lang="en-US" altLang="zh-CN" dirty="0" smtClean="0"/>
               <a:t>Slide 10- </a:t>
             </a:r>
-            <a:fld id="{19A98547-6B68-4635-86C9-77D5B0322639}" type="slidenum">
+            <a:fld id="{AAF62C2B-DF1F-4A6C-BA89-5FB36A1CBAE5}" type="slidenum">
               <a:rPr lang="en-US" altLang="zh-CN" smtClean="0"/>
               <a:pPr/>
               <a:t>75</a:t>
@@ -26876,7 +26906,7 @@
       </p:sp>
       <p:sp>
         <p:nvSpPr>
-          <p:cNvPr id="580610" name="AutoShape 2">
+          <p:cNvPr id="581634" name="AutoShape 2">
             <a:hlinkClick r:id="rId2" action="ppaction://hlinksldjump"/>
           </p:cNvPr>
           <p:cNvSpPr>
@@ -26886,7 +26916,7 @@
         </p:nvSpPr>
         <p:spPr bwMode="auto">
           <a:xfrm>
-            <a:off x="6197600" y="704850"/>
+            <a:off x="5638800" y="704850"/>
             <a:ext cx="1270000" cy="584200"/>
           </a:xfrm>
           <a:prstGeom prst="leftArrow">
@@ -26946,7 +26976,7 @@
       </p:sp>
       <p:sp>
         <p:nvSpPr>
-          <p:cNvPr id="580611" name="AutoShape 3">
+          <p:cNvPr id="581635" name="AutoShape 3">
             <a:hlinkClick r:id="rId3" action="ppaction://hlinksldjump"/>
           </p:cNvPr>
           <p:cNvSpPr>
@@ -26956,7 +26986,7 @@
         </p:nvSpPr>
         <p:spPr bwMode="auto">
           <a:xfrm>
-            <a:off x="7645400" y="685800"/>
+            <a:off x="7188200" y="685800"/>
             <a:ext cx="1066800" cy="635000"/>
           </a:xfrm>
           <a:prstGeom prst="rightArrow">
@@ -27016,7 +27046,7 @@
       </p:sp>
       <p:pic>
         <p:nvPicPr>
-          <p:cNvPr id="580612" name="Picture 4" descr="06"/>
+          <p:cNvPr id="581636" name="Picture 4" descr="06"/>
           <p:cNvPicPr>
             <a:picLocks noChangeAspect="1" noChangeArrowheads="1"/>
           </p:cNvPicPr>
@@ -27037,8 +27067,8 @@
         </p:blipFill>
         <p:spPr bwMode="auto">
           <a:xfrm>
-            <a:off x="2035175" y="1533525"/>
-            <a:ext cx="5538788" cy="4914900"/>
+            <a:off x="1865313" y="1506538"/>
+            <a:ext cx="5310187" cy="5046662"/>
           </a:xfrm>
           <a:prstGeom prst="rect">
             <a:avLst/>
@@ -27057,7 +27087,7 @@
       </p:pic>
       <p:sp>
         <p:nvSpPr>
-          <p:cNvPr id="580613" name="Rectangle 5"/>
+          <p:cNvPr id="581637" name="Rectangle 5"/>
           <p:cNvSpPr>
             <a:spLocks noGrp="1" noChangeArrowheads="1"/>
           </p:cNvSpPr>
@@ -27082,19 +27112,9 @@
             </a:r>
             <a:r>
               <a:rPr lang="en-US" altLang="zh-CN" dirty="0" smtClean="0"/>
-              <a:t>.1</a:t>
-            </a:r>
-            <a:r>
-              <a:rPr lang="en-US" altLang="zh-CN" dirty="0"/>
-              <a:t/>
-            </a:r>
-            <a:br>
-              <a:rPr lang="en-US" altLang="zh-CN" dirty="0"/>
-            </a:br>
-            <a:r>
-              <a:rPr lang="en-US" altLang="zh-CN" dirty="0"/>
-              <a:t>(2/2)</a:t>
-            </a:r>
+              <a:t>.2</a:t>
+            </a:r>
+            <a:endParaRPr lang="en-US" altLang="zh-CN" dirty="0"/>
           </a:p>
         </p:txBody>
       </p:sp>
@@ -27135,7 +27155,7 @@
       </p:grpSpPr>
       <p:sp>
         <p:nvSpPr>
-          <p:cNvPr id="6" name="灯片编号占位符 2"/>
+          <p:cNvPr id="7" name="灯片编号占位符 2"/>
           <p:cNvSpPr>
             <a:spLocks noGrp="1"/>
           </p:cNvSpPr>
@@ -27152,7 +27172,7 @@
               <a:rPr lang="en-US" altLang="zh-CN" dirty="0" smtClean="0"/>
               <a:t>Slide 10- </a:t>
             </a:r>
-            <a:fld id="{AAF62C2B-DF1F-4A6C-BA89-5FB36A1CBAE5}" type="slidenum">
+            <a:fld id="{D2EFFED3-E91C-473E-86CA-77261B5A2BE6}" type="slidenum">
               <a:rPr lang="en-US" altLang="zh-CN" smtClean="0"/>
               <a:pPr/>
               <a:t>76</a:t>
@@ -27165,7 +27185,60 @@
       </p:sp>
       <p:sp>
         <p:nvSpPr>
-          <p:cNvPr id="581634" name="AutoShape 2">
+          <p:cNvPr id="582662" name="Rectangle 6"/>
+          <p:cNvSpPr>
+            <a:spLocks noChangeArrowheads="1"/>
+          </p:cNvSpPr>
+          <p:nvPr/>
+        </p:nvSpPr>
+        <p:spPr bwMode="auto">
+          <a:xfrm>
+            <a:off x="0" y="434975"/>
+            <a:ext cx="4984750" cy="1546225"/>
+          </a:xfrm>
+          <a:prstGeom prst="rect">
+            <a:avLst/>
+          </a:prstGeom>
+          <a:solidFill>
+            <a:schemeClr val="bg1"/>
+          </a:solidFill>
+          <a:ln>
+            <a:noFill/>
+          </a:ln>
+          <a:effectLst/>
+          <a:extLst>
+            <a:ext uri="{91240B29-F687-4F45-9708-019B960494DF}">
+              <a14:hiddenLine xmlns:a14="http://schemas.microsoft.com/office/drawing/2010/main" w="9525">
+                <a:solidFill>
+                  <a:schemeClr val="tx1"/>
+                </a:solidFill>
+                <a:miter lim="800000"/>
+                <a:headEnd/>
+                <a:tailEnd/>
+              </a14:hiddenLine>
+            </a:ext>
+            <a:ext uri="{AF507438-7753-43E0-B8FC-AC1667EBCBE1}">
+              <a14:hiddenEffects xmlns:a14="http://schemas.microsoft.com/office/drawing/2010/main">
+                <a:effectLst>
+                  <a:outerShdw dist="35921" dir="2700000" algn="ctr" rotWithShape="0">
+                    <a:schemeClr val="bg2"/>
+                  </a:outerShdw>
+                </a:effectLst>
+              </a14:hiddenEffects>
+            </a:ext>
+          </a:extLst>
+        </p:spPr>
+        <p:txBody>
+          <a:bodyPr wrap="none" anchor="ctr"/>
+          <a:lstStyle/>
+          <a:p>
+            <a:endParaRPr lang="zh-CN" altLang="en-US"/>
+          </a:p>
+        </p:txBody>
+      </p:sp>
+      <p:sp>
+        <p:nvSpPr>
+          <p:cNvPr id="582658" name="AutoShape 2">
             <a:hlinkClick r:id="rId2" action="ppaction://hlinksldjump"/>
           </p:cNvPr>
           <p:cNvSpPr>
@@ -27175,7 +27248,7 @@
         </p:nvSpPr>
         <p:spPr bwMode="auto">
           <a:xfrm>
-            <a:off x="5638800" y="704850"/>
+            <a:off x="5613400" y="844550"/>
             <a:ext cx="1270000" cy="584200"/>
           </a:xfrm>
           <a:prstGeom prst="leftArrow">
@@ -27235,7 +27308,7 @@
       </p:sp>
       <p:sp>
         <p:nvSpPr>
-          <p:cNvPr id="581635" name="AutoShape 3">
+          <p:cNvPr id="582659" name="AutoShape 3">
             <a:hlinkClick r:id="rId3" action="ppaction://hlinksldjump"/>
           </p:cNvPr>
           <p:cNvSpPr>
@@ -27245,13 +27318,13 @@
         </p:nvSpPr>
         <p:spPr bwMode="auto">
           <a:xfrm>
-            <a:off x="7188200" y="685800"/>
-            <a:ext cx="1066800" cy="635000"/>
+            <a:off x="7188200" y="812800"/>
+            <a:ext cx="1295400" cy="635000"/>
           </a:xfrm>
           <a:prstGeom prst="rightArrow">
             <a:avLst>
               <a:gd name="adj1" fmla="val 57843"/>
-              <a:gd name="adj2" fmla="val 43999"/>
+              <a:gd name="adj2" fmla="val 53427"/>
             </a:avLst>
           </a:prstGeom>
           <a:solidFill>
@@ -27303,16 +27376,61 @@
           </a:p>
         </p:txBody>
       </p:sp>
+      <p:sp>
+        <p:nvSpPr>
+          <p:cNvPr id="582661" name="Rectangle 5"/>
+          <p:cNvSpPr>
+            <a:spLocks noGrp="1" noChangeArrowheads="1"/>
+          </p:cNvSpPr>
+          <p:nvPr>
+            <p:ph type="title"/>
+          </p:nvPr>
+        </p:nvSpPr>
+        <p:spPr>
+          <a:xfrm>
+            <a:off x="5181600" y="228600"/>
+            <a:ext cx="3886200" cy="992188"/>
+          </a:xfrm>
+        </p:spPr>
+        <p:txBody>
+          <a:bodyPr/>
+          <a:lstStyle/>
+          <a:p>
+            <a:r>
+              <a:rPr lang="en-US" altLang="zh-CN" dirty="0"/>
+              <a:t>Display </a:t>
+            </a:r>
+            <a:r>
+              <a:rPr lang="en-US" altLang="zh-CN" dirty="0" smtClean="0">
+                <a:ea typeface="宋体" panose="02010600030101010101" pitchFamily="2" charset="-122"/>
+              </a:rPr>
+              <a:t>10</a:t>
+            </a:r>
+            <a:r>
+              <a:rPr lang="en-US" altLang="zh-CN" dirty="0" smtClean="0"/>
+              <a:t>.3 </a:t>
+            </a:r>
+            <a:r>
+              <a:rPr lang="en-US" altLang="zh-CN" dirty="0"/>
+              <a:t>(1/2)</a:t>
+            </a:r>
+            <a:br>
+              <a:rPr lang="en-US" altLang="zh-CN" dirty="0"/>
+            </a:br>
+            <a:endParaRPr lang="en-US" altLang="zh-CN" dirty="0"/>
+          </a:p>
+        </p:txBody>
+      </p:sp>
       <p:pic>
         <p:nvPicPr>
-          <p:cNvPr id="581636" name="Picture 4" descr="06"/>
+          <p:cNvPr id="582664" name="Picture 8" descr="未命名2"/>
           <p:cNvPicPr>
             <a:picLocks noChangeAspect="1" noChangeArrowheads="1"/>
           </p:cNvPicPr>
           <p:nvPr/>
         </p:nvPicPr>
         <p:blipFill>
-          <a:blip r:embed="rId4">
+          <a:blip r:embed="rId4" cstate="print">
             <a:extLst>
               <a:ext uri="{28A0092B-C50C-407E-A947-70E740481C1C}">
                 <a14:useLocalDpi xmlns:a14="http://schemas.microsoft.com/office/drawing/2010/main" val="0"/>
@@ -27326,8 +27444,8 @@
         </p:blipFill>
         <p:spPr bwMode="auto">
           <a:xfrm>
-            <a:off x="1865313" y="1506538"/>
-            <a:ext cx="5310187" cy="5046662"/>
+            <a:off x="0" y="434975"/>
+            <a:ext cx="5181600" cy="6122988"/>
           </a:xfrm>
           <a:prstGeom prst="rect">
             <a:avLst/>
@@ -27344,39 +27462,6 @@
           </a:extLst>
         </p:spPr>
       </p:pic>
-      <p:sp>
-        <p:nvSpPr>
-          <p:cNvPr id="581637" name="Rectangle 5"/>
-          <p:cNvSpPr>
-            <a:spLocks noGrp="1" noChangeArrowheads="1"/>
-          </p:cNvSpPr>
-          <p:nvPr>
-            <p:ph type="title"/>
-          </p:nvPr>
-        </p:nvSpPr>
-        <p:spPr/>
-        <p:txBody>
-          <a:bodyPr/>
-          <a:lstStyle/>
-          <a:p>
-            <a:r>
-              <a:rPr lang="en-US" altLang="zh-CN" dirty="0"/>
-              <a:t>Display </a:t>
-            </a:r>
-            <a:r>
-              <a:rPr lang="en-US" altLang="zh-CN" dirty="0" smtClean="0">
-                <a:ea typeface="宋体" panose="02010600030101010101" pitchFamily="2" charset="-122"/>
-              </a:rPr>
-              <a:t>10</a:t>
-            </a:r>
-            <a:r>
-              <a:rPr lang="en-US" altLang="zh-CN" dirty="0" smtClean="0"/>
-              <a:t>.2</a:t>
-            </a:r>
-            <a:endParaRPr lang="en-US" altLang="zh-CN" dirty="0"/>
-          </a:p>
-        </p:txBody>
-      </p:sp>
     </p:spTree>
   </p:cSld>
   <p:clrMapOvr>
@@ -27414,7 +27499,7 @@
       </p:grpSpPr>
       <p:sp>
         <p:nvSpPr>
-          <p:cNvPr id="7" name="灯片编号占位符 2"/>
+          <p:cNvPr id="6" name="灯片编号占位符 2"/>
           <p:cNvSpPr>
             <a:spLocks noGrp="1"/>
           </p:cNvSpPr>
@@ -27431,7 +27516,7 @@
               <a:rPr lang="en-US" altLang="zh-CN" dirty="0" smtClean="0"/>
               <a:t>Slide 10- </a:t>
             </a:r>
-            <a:fld id="{D2EFFED3-E91C-473E-86CA-77261B5A2BE6}" type="slidenum">
+            <a:fld id="{5DA49F65-70B1-486F-825B-705CDF762C49}" type="slidenum">
               <a:rPr lang="en-US" altLang="zh-CN" smtClean="0"/>
               <a:pPr/>
               <a:t>77</a:t>
@@ -27444,7 +27529,9 @@
       </p:sp>
       <p:sp>
         <p:nvSpPr>
-          <p:cNvPr id="582662" name="Rectangle 6"/>
+          <p:cNvPr id="583682" name="AutoShape 2">
+            <a:hlinkClick r:id="rId2" action="ppaction://hlinksldjump"/>
+          </p:cNvPr>
           <p:cNvSpPr>
             <a:spLocks noChangeArrowheads="1"/>
           </p:cNvSpPr>
@@ -27452,62 +27539,7 @@
         </p:nvSpPr>
         <p:spPr bwMode="auto">
           <a:xfrm>
-            <a:off x="0" y="434975"/>
-            <a:ext cx="4984750" cy="1546225"/>
-          </a:xfrm>
-          <a:prstGeom prst="rect">
-            <a:avLst/>
-          </a:prstGeom>
-          <a:solidFill>
-            <a:schemeClr val="bg1"/>
-          </a:solidFill>
-          <a:ln>
-            <a:noFill/>
-          </a:ln>
-          <a:effectLst/>
-          <a:extLst>
-            <a:ext uri="{91240B29-F687-4F45-9708-019B960494DF}">
-              <a14:hiddenLine xmlns:a14="http://schemas.microsoft.com/office/drawing/2010/main" w="9525">
-                <a:solidFill>
-                  <a:schemeClr val="tx1"/>
-                </a:solidFill>
-                <a:miter lim="800000"/>
-                <a:headEnd/>
-                <a:tailEnd/>
-              </a14:hiddenLine>
-            </a:ext>
-            <a:ext uri="{AF507438-7753-43E0-B8FC-AC1667EBCBE1}">
-              <a14:hiddenEffects xmlns:a14="http://schemas.microsoft.com/office/drawing/2010/main">
-                <a:effectLst>
-                  <a:outerShdw dist="35921" dir="2700000" algn="ctr" rotWithShape="0">
-                    <a:schemeClr val="bg2"/>
-                  </a:outerShdw>
-                </a:effectLst>
-              </a14:hiddenEffects>
-            </a:ext>
-          </a:extLst>
-        </p:spPr>
-        <p:txBody>
-          <a:bodyPr wrap="none" anchor="ctr"/>
-          <a:lstStyle/>
-          <a:p>
-            <a:endParaRPr lang="zh-CN" altLang="en-US"/>
-          </a:p>
-        </p:txBody>
-      </p:sp>
-      <p:sp>
-        <p:nvSpPr>
-          <p:cNvPr id="582658" name="AutoShape 2">
-            <a:hlinkClick r:id="rId2" action="ppaction://hlinksldjump"/>
-          </p:cNvPr>
-          <p:cNvSpPr>
-            <a:spLocks noChangeArrowheads="1"/>
-          </p:cNvSpPr>
-          <p:nvPr/>
-        </p:nvSpPr>
-        <p:spPr bwMode="auto">
-          <a:xfrm>
-            <a:off x="5613400" y="844550"/>
+            <a:off x="5613400" y="717550"/>
             <a:ext cx="1270000" cy="584200"/>
           </a:xfrm>
           <a:prstGeom prst="leftArrow">
@@ -27567,7 +27599,7 @@
       </p:sp>
       <p:sp>
         <p:nvSpPr>
-          <p:cNvPr id="582659" name="AutoShape 3">
+          <p:cNvPr id="583683" name="AutoShape 3">
             <a:hlinkClick r:id="rId3" action="ppaction://hlinksldjump"/>
           </p:cNvPr>
           <p:cNvSpPr>
@@ -27577,7 +27609,7 @@
         </p:nvSpPr>
         <p:spPr bwMode="auto">
           <a:xfrm>
-            <a:off x="7188200" y="812800"/>
+            <a:off x="7188200" y="685800"/>
             <a:ext cx="1295400" cy="635000"/>
           </a:xfrm>
           <a:prstGeom prst="rightArrow">
@@ -27637,7 +27669,7 @@
       </p:sp>
       <p:sp>
         <p:nvSpPr>
-          <p:cNvPr id="582661" name="Rectangle 5"/>
+          <p:cNvPr id="583685" name="Rectangle 5"/>
           <p:cNvSpPr>
             <a:spLocks noGrp="1" noChangeArrowheads="1"/>
           </p:cNvSpPr>
@@ -27645,12 +27677,7 @@
             <p:ph type="title"/>
           </p:nvPr>
         </p:nvSpPr>
-        <p:spPr>
-          <a:xfrm>
-            <a:off x="5181600" y="228600"/>
-            <a:ext cx="3886200" cy="992188"/>
-          </a:xfrm>
-        </p:spPr>
+        <p:spPr/>
         <p:txBody>
           <a:bodyPr/>
           <a:lstStyle/>
@@ -27667,29 +27694,32 @@
             </a:r>
             <a:r>
               <a:rPr lang="en-US" altLang="zh-CN" dirty="0" smtClean="0"/>
-              <a:t>.3 </a:t>
+              <a:t>.3</a:t>
             </a:r>
             <a:r>
               <a:rPr lang="en-US" altLang="zh-CN" dirty="0"/>
-              <a:t>(1/2)</a:t>
+              <a:t/>
             </a:r>
             <a:br>
               <a:rPr lang="en-US" altLang="zh-CN" dirty="0"/>
             </a:br>
-            <a:endParaRPr lang="en-US" altLang="zh-CN" dirty="0"/>
+            <a:r>
+              <a:rPr lang="en-US" altLang="zh-CN" dirty="0"/>
+              <a:t>(2/2)</a:t>
+            </a:r>
           </a:p>
         </p:txBody>
       </p:sp>
       <p:pic>
         <p:nvPicPr>
-          <p:cNvPr id="582664" name="Picture 8" descr="未命名2"/>
+          <p:cNvPr id="583687" name="Picture 7" descr="未命名2"/>
           <p:cNvPicPr>
             <a:picLocks noChangeAspect="1" noChangeArrowheads="1"/>
           </p:cNvPicPr>
           <p:nvPr/>
         </p:nvPicPr>
         <p:blipFill>
-          <a:blip r:embed="rId4" cstate="print">
+          <a:blip r:embed="rId4">
             <a:extLst>
               <a:ext uri="{28A0092B-C50C-407E-A947-70E740481C1C}">
                 <a14:useLocalDpi xmlns:a14="http://schemas.microsoft.com/office/drawing/2010/main" val="0"/>
@@ -27703,8 +27733,8 @@
         </p:blipFill>
         <p:spPr bwMode="auto">
           <a:xfrm>
-            <a:off x="0" y="434975"/>
-            <a:ext cx="5181600" cy="6122988"/>
+            <a:off x="0" y="1444625"/>
+            <a:ext cx="9144000" cy="4960938"/>
           </a:xfrm>
           <a:prstGeom prst="rect">
             <a:avLst/>
@@ -27758,7 +27788,7 @@
       </p:grpSpPr>
       <p:sp>
         <p:nvSpPr>
-          <p:cNvPr id="6" name="灯片编号占位符 2"/>
+          <p:cNvPr id="7" name="灯片编号占位符 2"/>
           <p:cNvSpPr>
             <a:spLocks noGrp="1"/>
           </p:cNvSpPr>
@@ -27775,7 +27805,7 @@
               <a:rPr lang="en-US" altLang="zh-CN" dirty="0" smtClean="0"/>
               <a:t>Slide 10- </a:t>
             </a:r>
-            <a:fld id="{5DA49F65-70B1-486F-825B-705CDF762C49}" type="slidenum">
+            <a:fld id="{908067D8-3977-4C7C-9E6E-F19A954339F6}" type="slidenum">
               <a:rPr lang="en-US" altLang="zh-CN" smtClean="0"/>
               <a:pPr/>
               <a:t>78</a:t>
@@ -27788,7 +27818,60 @@
       </p:sp>
       <p:sp>
         <p:nvSpPr>
-          <p:cNvPr id="583682" name="AutoShape 2">
+          <p:cNvPr id="584710" name="Rectangle 6"/>
+          <p:cNvSpPr>
+            <a:spLocks noChangeArrowheads="1"/>
+          </p:cNvSpPr>
+          <p:nvPr/>
+        </p:nvSpPr>
+        <p:spPr bwMode="auto">
+          <a:xfrm>
+            <a:off x="0" y="385763"/>
+            <a:ext cx="5087938" cy="1519237"/>
+          </a:xfrm>
+          <a:prstGeom prst="rect">
+            <a:avLst/>
+          </a:prstGeom>
+          <a:solidFill>
+            <a:schemeClr val="bg1"/>
+          </a:solidFill>
+          <a:ln>
+            <a:noFill/>
+          </a:ln>
+          <a:effectLst/>
+          <a:extLst>
+            <a:ext uri="{91240B29-F687-4F45-9708-019B960494DF}">
+              <a14:hiddenLine xmlns:a14="http://schemas.microsoft.com/office/drawing/2010/main" w="9525">
+                <a:solidFill>
+                  <a:schemeClr val="tx1"/>
+                </a:solidFill>
+                <a:miter lim="800000"/>
+                <a:headEnd/>
+                <a:tailEnd/>
+              </a14:hiddenLine>
+            </a:ext>
+            <a:ext uri="{AF507438-7753-43E0-B8FC-AC1667EBCBE1}">
+              <a14:hiddenEffects xmlns:a14="http://schemas.microsoft.com/office/drawing/2010/main">
+                <a:effectLst>
+                  <a:outerShdw dist="35921" dir="2700000" algn="ctr" rotWithShape="0">
+                    <a:schemeClr val="bg2"/>
+                  </a:outerShdw>
+                </a:effectLst>
+              </a14:hiddenEffects>
+            </a:ext>
+          </a:extLst>
+        </p:spPr>
+        <p:txBody>
+          <a:bodyPr wrap="none" anchor="ctr"/>
+          <a:lstStyle/>
+          <a:p>
+            <a:endParaRPr lang="zh-CN" altLang="en-US"/>
+          </a:p>
+        </p:txBody>
+      </p:sp>
+      <p:sp>
+        <p:nvSpPr>
+          <p:cNvPr id="584706" name="AutoShape 2">
             <a:hlinkClick r:id="rId2" action="ppaction://hlinksldjump"/>
           </p:cNvPr>
           <p:cNvSpPr>
@@ -27798,7 +27881,7 @@
         </p:nvSpPr>
         <p:spPr bwMode="auto">
           <a:xfrm>
-            <a:off x="5613400" y="717550"/>
+            <a:off x="5435600" y="831850"/>
             <a:ext cx="1270000" cy="584200"/>
           </a:xfrm>
           <a:prstGeom prst="leftArrow">
@@ -27858,7 +27941,7 @@
       </p:sp>
       <p:sp>
         <p:nvSpPr>
-          <p:cNvPr id="583683" name="AutoShape 3">
+          <p:cNvPr id="584707" name="AutoShape 3">
             <a:hlinkClick r:id="rId3" action="ppaction://hlinksldjump"/>
           </p:cNvPr>
           <p:cNvSpPr>
@@ -27868,13 +27951,13 @@
         </p:nvSpPr>
         <p:spPr bwMode="auto">
           <a:xfrm>
-            <a:off x="7188200" y="685800"/>
-            <a:ext cx="1295400" cy="635000"/>
+            <a:off x="7188200" y="812800"/>
+            <a:ext cx="1066800" cy="635000"/>
           </a:xfrm>
           <a:prstGeom prst="rightArrow">
             <a:avLst>
               <a:gd name="adj1" fmla="val 57843"/>
-              <a:gd name="adj2" fmla="val 53427"/>
+              <a:gd name="adj2" fmla="val 43999"/>
             </a:avLst>
           </a:prstGeom>
           <a:solidFill>
@@ -27928,7 +28011,7 @@
       </p:sp>
       <p:sp>
         <p:nvSpPr>
-          <p:cNvPr id="583685" name="Rectangle 5"/>
+          <p:cNvPr id="584709" name="Rectangle 5"/>
           <p:cNvSpPr>
             <a:spLocks noGrp="1" noChangeArrowheads="1"/>
           </p:cNvSpPr>
@@ -27936,7 +28019,12 @@
             <p:ph type="title"/>
           </p:nvPr>
         </p:nvSpPr>
-        <p:spPr/>
+        <p:spPr>
+          <a:xfrm>
+            <a:off x="5068888" y="228600"/>
+            <a:ext cx="3922712" cy="992188"/>
+          </a:xfrm>
+        </p:spPr>
         <p:txBody>
           <a:bodyPr/>
           <a:lstStyle/>
@@ -27953,32 +28041,29 @@
             </a:r>
             <a:r>
               <a:rPr lang="en-US" altLang="zh-CN" dirty="0" smtClean="0"/>
-              <a:t>.3</a:t>
+              <a:t>.4  </a:t>
             </a:r>
             <a:r>
               <a:rPr lang="en-US" altLang="zh-CN" dirty="0"/>
-              <a:t/>
+              <a:t>(1/2)</a:t>
             </a:r>
             <a:br>
               <a:rPr lang="en-US" altLang="zh-CN" dirty="0"/>
             </a:br>
-            <a:r>
-              <a:rPr lang="en-US" altLang="zh-CN" dirty="0"/>
-              <a:t>(2/2)</a:t>
-            </a:r>
+            <a:endParaRPr lang="en-US" altLang="zh-CN" dirty="0"/>
           </a:p>
         </p:txBody>
       </p:sp>
       <p:pic>
         <p:nvPicPr>
-          <p:cNvPr id="583687" name="Picture 7" descr="未命名2"/>
+          <p:cNvPr id="584712" name="Picture 8" descr="未命名2"/>
           <p:cNvPicPr>
             <a:picLocks noChangeAspect="1" noChangeArrowheads="1"/>
           </p:cNvPicPr>
           <p:nvPr/>
         </p:nvPicPr>
         <p:blipFill>
-          <a:blip r:embed="rId4">
+          <a:blip r:embed="rId4" cstate="print">
             <a:extLst>
               <a:ext uri="{28A0092B-C50C-407E-A947-70E740481C1C}">
                 <a14:useLocalDpi xmlns:a14="http://schemas.microsoft.com/office/drawing/2010/main" val="0"/>
@@ -27992,8 +28077,8 @@
         </p:blipFill>
         <p:spPr bwMode="auto">
           <a:xfrm>
-            <a:off x="0" y="1444625"/>
-            <a:ext cx="9144000" cy="4960938"/>
+            <a:off x="0" y="385763"/>
+            <a:ext cx="5087938" cy="6172200"/>
           </a:xfrm>
           <a:prstGeom prst="rect">
             <a:avLst/>
@@ -28064,7 +28149,7 @@
               <a:rPr lang="en-US" altLang="zh-CN" dirty="0" smtClean="0"/>
               <a:t>Slide 10- </a:t>
             </a:r>
-            <a:fld id="{908067D8-3977-4C7C-9E6E-F19A954339F6}" type="slidenum">
+            <a:fld id="{CED245AF-96BA-4CD4-9210-34DEB701448D}" type="slidenum">
               <a:rPr lang="en-US" altLang="zh-CN" smtClean="0"/>
               <a:pPr/>
               <a:t>79</a:t>
@@ -28077,7 +28162,7 @@
       </p:sp>
       <p:sp>
         <p:nvSpPr>
-          <p:cNvPr id="584710" name="Rectangle 6"/>
+          <p:cNvPr id="585734" name="Rectangle 6"/>
           <p:cNvSpPr>
             <a:spLocks noChangeArrowheads="1"/>
           </p:cNvSpPr>
@@ -28085,8 +28170,8 @@
         </p:nvSpPr>
         <p:spPr bwMode="auto">
           <a:xfrm>
-            <a:off x="0" y="385763"/>
-            <a:ext cx="5087938" cy="1519237"/>
+            <a:off x="0" y="141288"/>
+            <a:ext cx="5345113" cy="1458912"/>
           </a:xfrm>
           <a:prstGeom prst="rect">
             <a:avLst/>
@@ -28130,7 +28215,7 @@
       </p:sp>
       <p:sp>
         <p:nvSpPr>
-          <p:cNvPr id="584706" name="AutoShape 2">
+          <p:cNvPr id="585730" name="AutoShape 2">
             <a:hlinkClick r:id="rId2" action="ppaction://hlinksldjump"/>
           </p:cNvPr>
           <p:cNvSpPr>
@@ -28140,7 +28225,7 @@
         </p:nvSpPr>
         <p:spPr bwMode="auto">
           <a:xfrm>
-            <a:off x="5435600" y="831850"/>
+            <a:off x="5772150" y="850900"/>
             <a:ext cx="1270000" cy="584200"/>
           </a:xfrm>
           <a:prstGeom prst="leftArrow">
@@ -28200,7 +28285,7 @@
       </p:sp>
       <p:sp>
         <p:nvSpPr>
-          <p:cNvPr id="584707" name="AutoShape 3">
+          <p:cNvPr id="585731" name="AutoShape 3">
             <a:hlinkClick r:id="rId3" action="ppaction://hlinksldjump"/>
           </p:cNvPr>
           <p:cNvSpPr>
@@ -28210,13 +28295,13 @@
         </p:nvSpPr>
         <p:spPr bwMode="auto">
           <a:xfrm>
-            <a:off x="7188200" y="812800"/>
-            <a:ext cx="1066800" cy="635000"/>
+            <a:off x="7524750" y="831850"/>
+            <a:ext cx="1162050" cy="615950"/>
           </a:xfrm>
           <a:prstGeom prst="rightArrow">
             <a:avLst>
               <a:gd name="adj1" fmla="val 57843"/>
-              <a:gd name="adj2" fmla="val 43999"/>
+              <a:gd name="adj2" fmla="val 49410"/>
             </a:avLst>
           </a:prstGeom>
           <a:solidFill>
@@ -28270,7 +28355,7 @@
       </p:sp>
       <p:sp>
         <p:nvSpPr>
-          <p:cNvPr id="584709" name="Rectangle 5"/>
+          <p:cNvPr id="585733" name="Rectangle 5"/>
           <p:cNvSpPr>
             <a:spLocks noGrp="1" noChangeArrowheads="1"/>
           </p:cNvSpPr>
@@ -28280,8 +28365,8 @@
         </p:nvSpPr>
         <p:spPr>
           <a:xfrm>
-            <a:off x="5068888" y="228600"/>
-            <a:ext cx="3922712" cy="992188"/>
+            <a:off x="5326063" y="228600"/>
+            <a:ext cx="3767137" cy="992188"/>
           </a:xfrm>
         </p:spPr>
         <p:txBody>
@@ -28300,11 +28385,11 @@
             </a:r>
             <a:r>
               <a:rPr lang="en-US" altLang="zh-CN" dirty="0" smtClean="0"/>
-              <a:t>.4  </a:t>
+              <a:t>.4 </a:t>
             </a:r>
             <a:r>
               <a:rPr lang="en-US" altLang="zh-CN" dirty="0"/>
-              <a:t>(1/2)</a:t>
+              <a:t>(2/2)</a:t>
             </a:r>
             <a:br>
               <a:rPr lang="en-US" altLang="zh-CN" dirty="0"/>
@@ -28315,7 +28400,7 @@
       </p:sp>
       <p:pic>
         <p:nvPicPr>
-          <p:cNvPr id="584712" name="Picture 8" descr="未命名2"/>
+          <p:cNvPr id="585736" name="Picture 8" descr="未命名2"/>
           <p:cNvPicPr>
             <a:picLocks noChangeAspect="1" noChangeArrowheads="1"/>
           </p:cNvPicPr>
@@ -28336,8 +28421,8 @@
         </p:blipFill>
         <p:spPr bwMode="auto">
           <a:xfrm>
-            <a:off x="0" y="385763"/>
-            <a:ext cx="5087938" cy="6172200"/>
+            <a:off x="0" y="141288"/>
+            <a:ext cx="5345113" cy="6416675"/>
           </a:xfrm>
           <a:prstGeom prst="rect">
             <a:avLst/>
@@ -28863,7 +28948,7 @@
               <a:rPr lang="en-US" altLang="zh-CN" dirty="0" smtClean="0"/>
               <a:t>Slide 10- </a:t>
             </a:r>
-            <a:fld id="{CED245AF-96BA-4CD4-9210-34DEB701448D}" type="slidenum">
+            <a:fld id="{A6EB9660-C7EF-4FF8-B0A2-932DA4CA7B77}" type="slidenum">
               <a:rPr lang="en-US" altLang="zh-CN" smtClean="0"/>
               <a:pPr/>
               <a:t>80</a:t>
@@ -28876,7 +28961,7 @@
       </p:sp>
       <p:sp>
         <p:nvSpPr>
-          <p:cNvPr id="585734" name="Rectangle 6"/>
+          <p:cNvPr id="587782" name="Rectangle 6"/>
           <p:cNvSpPr>
             <a:spLocks noChangeArrowheads="1"/>
           </p:cNvSpPr>
@@ -28884,8 +28969,8 @@
         </p:nvSpPr>
         <p:spPr bwMode="auto">
           <a:xfrm>
-            <a:off x="0" y="141288"/>
-            <a:ext cx="5345113" cy="1458912"/>
+            <a:off x="0" y="533400"/>
+            <a:ext cx="5138738" cy="998538"/>
           </a:xfrm>
           <a:prstGeom prst="rect">
             <a:avLst/>
@@ -28929,7 +29014,7 @@
       </p:sp>
       <p:sp>
         <p:nvSpPr>
-          <p:cNvPr id="585730" name="AutoShape 2">
+          <p:cNvPr id="587778" name="AutoShape 2">
             <a:hlinkClick r:id="rId2" action="ppaction://hlinksldjump"/>
           </p:cNvPr>
           <p:cNvSpPr>
@@ -28939,7 +29024,7 @@
         </p:nvSpPr>
         <p:spPr bwMode="auto">
           <a:xfrm>
-            <a:off x="5772150" y="850900"/>
+            <a:off x="5867400" y="831850"/>
             <a:ext cx="1270000" cy="584200"/>
           </a:xfrm>
           <a:prstGeom prst="leftArrow">
@@ -28999,7 +29084,7 @@
       </p:sp>
       <p:sp>
         <p:nvSpPr>
-          <p:cNvPr id="585731" name="AutoShape 3">
+          <p:cNvPr id="587779" name="AutoShape 3">
             <a:hlinkClick r:id="rId3" action="ppaction://hlinksldjump"/>
           </p:cNvPr>
           <p:cNvSpPr>
@@ -29009,13 +29094,13 @@
         </p:nvSpPr>
         <p:spPr bwMode="auto">
           <a:xfrm>
-            <a:off x="7524750" y="831850"/>
-            <a:ext cx="1162050" cy="615950"/>
+            <a:off x="7620000" y="812800"/>
+            <a:ext cx="1066800" cy="635000"/>
           </a:xfrm>
           <a:prstGeom prst="rightArrow">
             <a:avLst>
               <a:gd name="adj1" fmla="val 57843"/>
-              <a:gd name="adj2" fmla="val 49410"/>
+              <a:gd name="adj2" fmla="val 43999"/>
             </a:avLst>
           </a:prstGeom>
           <a:solidFill>
@@ -29067,54 +29152,9 @@
           </a:p>
         </p:txBody>
       </p:sp>
-      <p:sp>
-        <p:nvSpPr>
-          <p:cNvPr id="585733" name="Rectangle 5"/>
-          <p:cNvSpPr>
-            <a:spLocks noGrp="1" noChangeArrowheads="1"/>
-          </p:cNvSpPr>
-          <p:nvPr>
-            <p:ph type="title"/>
-          </p:nvPr>
-        </p:nvSpPr>
-        <p:spPr>
-          <a:xfrm>
-            <a:off x="5326063" y="228600"/>
-            <a:ext cx="3767137" cy="992188"/>
-          </a:xfrm>
-        </p:spPr>
-        <p:txBody>
-          <a:bodyPr/>
-          <a:lstStyle/>
-          <a:p>
-            <a:r>
-              <a:rPr lang="en-US" altLang="zh-CN" dirty="0"/>
-              <a:t>Display </a:t>
-            </a:r>
-            <a:r>
-              <a:rPr lang="en-US" altLang="zh-CN" dirty="0" smtClean="0">
-                <a:ea typeface="宋体" panose="02010600030101010101" pitchFamily="2" charset="-122"/>
-              </a:rPr>
-              <a:t>10</a:t>
-            </a:r>
-            <a:r>
-              <a:rPr lang="en-US" altLang="zh-CN" dirty="0" smtClean="0"/>
-              <a:t>.4 </a:t>
-            </a:r>
-            <a:r>
-              <a:rPr lang="en-US" altLang="zh-CN" dirty="0"/>
-              <a:t>(2/2)</a:t>
-            </a:r>
-            <a:br>
-              <a:rPr lang="en-US" altLang="zh-CN" dirty="0"/>
-            </a:br>
-            <a:endParaRPr lang="en-US" altLang="zh-CN" dirty="0"/>
-          </a:p>
-        </p:txBody>
-      </p:sp>
       <p:pic>
         <p:nvPicPr>
-          <p:cNvPr id="585736" name="Picture 8" descr="未命名2"/>
+          <p:cNvPr id="587780" name="Picture 4" descr="06"/>
           <p:cNvPicPr>
             <a:picLocks noChangeAspect="1" noChangeArrowheads="1"/>
           </p:cNvPicPr>
@@ -29135,8 +29175,8 @@
         </p:blipFill>
         <p:spPr bwMode="auto">
           <a:xfrm>
-            <a:off x="0" y="141288"/>
-            <a:ext cx="5345113" cy="6416675"/>
+            <a:off x="166688" y="604838"/>
+            <a:ext cx="4849812" cy="5818187"/>
           </a:xfrm>
           <a:prstGeom prst="rect">
             <a:avLst/>
@@ -29153,6 +29193,51 @@
           </a:extLst>
         </p:spPr>
       </p:pic>
+      <p:sp>
+        <p:nvSpPr>
+          <p:cNvPr id="587781" name="Rectangle 5"/>
+          <p:cNvSpPr>
+            <a:spLocks noGrp="1" noChangeArrowheads="1"/>
+          </p:cNvSpPr>
+          <p:nvPr>
+            <p:ph type="title"/>
+          </p:nvPr>
+        </p:nvSpPr>
+        <p:spPr>
+          <a:xfrm>
+            <a:off x="5145088" y="228600"/>
+            <a:ext cx="3922712" cy="992188"/>
+          </a:xfrm>
+        </p:spPr>
+        <p:txBody>
+          <a:bodyPr/>
+          <a:lstStyle/>
+          <a:p>
+            <a:r>
+              <a:rPr lang="en-US" altLang="zh-CN" dirty="0"/>
+              <a:t>Display </a:t>
+            </a:r>
+            <a:r>
+              <a:rPr lang="en-US" altLang="zh-CN" dirty="0" smtClean="0">
+                <a:ea typeface="宋体" panose="02010600030101010101" pitchFamily="2" charset="-122"/>
+              </a:rPr>
+              <a:t>10</a:t>
+            </a:r>
+            <a:r>
+              <a:rPr lang="en-US" altLang="zh-CN" dirty="0" smtClean="0"/>
+              <a:t>.5 </a:t>
+            </a:r>
+            <a:r>
+              <a:rPr lang="en-US" altLang="zh-CN" dirty="0"/>
+              <a:t>(1/4)</a:t>
+            </a:r>
+            <a:br>
+              <a:rPr lang="en-US" altLang="zh-CN" dirty="0"/>
+            </a:br>
+            <a:endParaRPr lang="en-US" altLang="zh-CN" dirty="0"/>
+          </a:p>
+        </p:txBody>
+      </p:sp>
     </p:spTree>
   </p:cSld>
   <p:clrMapOvr>
@@ -29207,7 +29292,7 @@
               <a:rPr lang="en-US" altLang="zh-CN" dirty="0" smtClean="0"/>
               <a:t>Slide 10- </a:t>
             </a:r>
-            <a:fld id="{A6EB9660-C7EF-4FF8-B0A2-932DA4CA7B77}" type="slidenum">
+            <a:fld id="{C76A388D-7163-48C3-9667-D3E865DB5C03}" type="slidenum">
               <a:rPr lang="en-US" altLang="zh-CN" smtClean="0"/>
               <a:pPr/>
               <a:t>81</a:t>
@@ -29220,7 +29305,7 @@
       </p:sp>
       <p:sp>
         <p:nvSpPr>
-          <p:cNvPr id="587782" name="Rectangle 6"/>
+          <p:cNvPr id="588806" name="Rectangle 6"/>
           <p:cNvSpPr>
             <a:spLocks noChangeArrowheads="1"/>
           </p:cNvSpPr>
@@ -29228,8 +29313,8 @@
         </p:nvSpPr>
         <p:spPr bwMode="auto">
           <a:xfrm>
-            <a:off x="0" y="533400"/>
-            <a:ext cx="5138738" cy="998538"/>
+            <a:off x="0" y="0"/>
+            <a:ext cx="4778375" cy="1519238"/>
           </a:xfrm>
           <a:prstGeom prst="rect">
             <a:avLst/>
@@ -29273,7 +29358,7 @@
       </p:sp>
       <p:sp>
         <p:nvSpPr>
-          <p:cNvPr id="587778" name="AutoShape 2">
+          <p:cNvPr id="588802" name="AutoShape 2">
             <a:hlinkClick r:id="rId2" action="ppaction://hlinksldjump"/>
           </p:cNvPr>
           <p:cNvSpPr>
@@ -29283,7 +29368,7 @@
         </p:nvSpPr>
         <p:spPr bwMode="auto">
           <a:xfrm>
-            <a:off x="5867400" y="831850"/>
+            <a:off x="5638800" y="831850"/>
             <a:ext cx="1270000" cy="584200"/>
           </a:xfrm>
           <a:prstGeom prst="leftArrow">
@@ -29343,7 +29428,7 @@
       </p:sp>
       <p:sp>
         <p:nvSpPr>
-          <p:cNvPr id="587779" name="AutoShape 3">
+          <p:cNvPr id="588803" name="AutoShape 3">
             <a:hlinkClick r:id="rId3" action="ppaction://hlinksldjump"/>
           </p:cNvPr>
           <p:cNvSpPr>
@@ -29353,7 +29438,7 @@
         </p:nvSpPr>
         <p:spPr bwMode="auto">
           <a:xfrm>
-            <a:off x="7620000" y="812800"/>
+            <a:off x="7391400" y="812800"/>
             <a:ext cx="1066800" cy="635000"/>
           </a:xfrm>
           <a:prstGeom prst="rightArrow">
@@ -29413,14 +29498,14 @@
       </p:sp>
       <p:pic>
         <p:nvPicPr>
-          <p:cNvPr id="587780" name="Picture 4" descr="06"/>
+          <p:cNvPr id="588804" name="Picture 4" descr="06"/>
           <p:cNvPicPr>
             <a:picLocks noChangeAspect="1" noChangeArrowheads="1"/>
           </p:cNvPicPr>
           <p:nvPr/>
         </p:nvPicPr>
         <p:blipFill>
-          <a:blip r:embed="rId4" cstate="print">
+          <a:blip r:embed="rId4">
             <a:extLst>
               <a:ext uri="{28A0092B-C50C-407E-A947-70E740481C1C}">
                 <a14:useLocalDpi xmlns:a14="http://schemas.microsoft.com/office/drawing/2010/main" val="0"/>
@@ -29434,8 +29519,8 @@
         </p:blipFill>
         <p:spPr bwMode="auto">
           <a:xfrm>
-            <a:off x="166688" y="604838"/>
-            <a:ext cx="4849812" cy="5818187"/>
+            <a:off x="141288" y="174625"/>
+            <a:ext cx="4495800" cy="6292850"/>
           </a:xfrm>
           <a:prstGeom prst="rect">
             <a:avLst/>
@@ -29454,7 +29539,7 @@
       </p:pic>
       <p:sp>
         <p:nvSpPr>
-          <p:cNvPr id="587781" name="Rectangle 5"/>
+          <p:cNvPr id="588805" name="Rectangle 5"/>
           <p:cNvSpPr>
             <a:spLocks noGrp="1" noChangeArrowheads="1"/>
           </p:cNvSpPr>
@@ -29464,8 +29549,8 @@
         </p:nvSpPr>
         <p:spPr>
           <a:xfrm>
-            <a:off x="5145088" y="228600"/>
-            <a:ext cx="3922712" cy="992188"/>
+            <a:off x="5257800" y="228600"/>
+            <a:ext cx="3817938" cy="992188"/>
           </a:xfrm>
         </p:spPr>
         <p:txBody>
@@ -29488,7 +29573,7 @@
             </a:r>
             <a:r>
               <a:rPr lang="en-US" altLang="zh-CN" dirty="0"/>
-              <a:t>(1/4)</a:t>
+              <a:t>(2/4)</a:t>
             </a:r>
             <a:br>
               <a:rPr lang="en-US" altLang="zh-CN" dirty="0"/>
@@ -29534,7 +29619,7 @@
       </p:grpSpPr>
       <p:sp>
         <p:nvSpPr>
-          <p:cNvPr id="7" name="灯片编号占位符 2"/>
+          <p:cNvPr id="6" name="灯片编号占位符 2"/>
           <p:cNvSpPr>
             <a:spLocks noGrp="1"/>
           </p:cNvSpPr>
@@ -29551,7 +29636,7 @@
               <a:rPr lang="en-US" altLang="zh-CN" dirty="0" smtClean="0"/>
               <a:t>Slide 10- </a:t>
             </a:r>
-            <a:fld id="{C76A388D-7163-48C3-9667-D3E865DB5C03}" type="slidenum">
+            <a:fld id="{FEF4AD88-0493-4328-9DB6-74A6C27EF0DE}" type="slidenum">
               <a:rPr lang="en-US" altLang="zh-CN" smtClean="0"/>
               <a:pPr/>
               <a:t>82</a:t>
@@ -29564,7 +29649,9 @@
       </p:sp>
       <p:sp>
         <p:nvSpPr>
-          <p:cNvPr id="588806" name="Rectangle 6"/>
+          <p:cNvPr id="589826" name="AutoShape 2">
+            <a:hlinkClick r:id="rId2" action="ppaction://hlinksldjump"/>
+          </p:cNvPr>
           <p:cNvSpPr>
             <a:spLocks noChangeArrowheads="1"/>
           </p:cNvSpPr>
@@ -29572,62 +29659,7 @@
         </p:nvSpPr>
         <p:spPr bwMode="auto">
           <a:xfrm>
-            <a:off x="0" y="0"/>
-            <a:ext cx="4778375" cy="1519238"/>
-          </a:xfrm>
-          <a:prstGeom prst="rect">
-            <a:avLst/>
-          </a:prstGeom>
-          <a:solidFill>
-            <a:schemeClr val="bg1"/>
-          </a:solidFill>
-          <a:ln>
-            <a:noFill/>
-          </a:ln>
-          <a:effectLst/>
-          <a:extLst>
-            <a:ext uri="{91240B29-F687-4F45-9708-019B960494DF}">
-              <a14:hiddenLine xmlns:a14="http://schemas.microsoft.com/office/drawing/2010/main" w="9525">
-                <a:solidFill>
-                  <a:schemeClr val="tx1"/>
-                </a:solidFill>
-                <a:miter lim="800000"/>
-                <a:headEnd/>
-                <a:tailEnd/>
-              </a14:hiddenLine>
-            </a:ext>
-            <a:ext uri="{AF507438-7753-43E0-B8FC-AC1667EBCBE1}">
-              <a14:hiddenEffects xmlns:a14="http://schemas.microsoft.com/office/drawing/2010/main">
-                <a:effectLst>
-                  <a:outerShdw dist="35921" dir="2700000" algn="ctr" rotWithShape="0">
-                    <a:schemeClr val="bg2"/>
-                  </a:outerShdw>
-                </a:effectLst>
-              </a14:hiddenEffects>
-            </a:ext>
-          </a:extLst>
-        </p:spPr>
-        <p:txBody>
-          <a:bodyPr wrap="none" anchor="ctr"/>
-          <a:lstStyle/>
-          <a:p>
-            <a:endParaRPr lang="zh-CN" altLang="en-US"/>
-          </a:p>
-        </p:txBody>
-      </p:sp>
-      <p:sp>
-        <p:nvSpPr>
-          <p:cNvPr id="588802" name="AutoShape 2">
-            <a:hlinkClick r:id="rId2" action="ppaction://hlinksldjump"/>
-          </p:cNvPr>
-          <p:cNvSpPr>
-            <a:spLocks noChangeArrowheads="1"/>
-          </p:cNvSpPr>
-          <p:nvPr/>
-        </p:nvSpPr>
-        <p:spPr bwMode="auto">
-          <a:xfrm>
-            <a:off x="5638800" y="831850"/>
+            <a:off x="5435600" y="704850"/>
             <a:ext cx="1270000" cy="584200"/>
           </a:xfrm>
           <a:prstGeom prst="leftArrow">
@@ -29687,7 +29719,7 @@
       </p:sp>
       <p:sp>
         <p:nvSpPr>
-          <p:cNvPr id="588803" name="AutoShape 3">
+          <p:cNvPr id="589827" name="AutoShape 3">
             <a:hlinkClick r:id="rId3" action="ppaction://hlinksldjump"/>
           </p:cNvPr>
           <p:cNvSpPr>
@@ -29697,7 +29729,7 @@
         </p:nvSpPr>
         <p:spPr bwMode="auto">
           <a:xfrm>
-            <a:off x="7391400" y="812800"/>
+            <a:off x="7188200" y="685800"/>
             <a:ext cx="1066800" cy="635000"/>
           </a:xfrm>
           <a:prstGeom prst="rightArrow">
@@ -29757,7 +29789,7 @@
       </p:sp>
       <p:pic>
         <p:nvPicPr>
-          <p:cNvPr id="588804" name="Picture 4" descr="06"/>
+          <p:cNvPr id="589828" name="Picture 4" descr="06"/>
           <p:cNvPicPr>
             <a:picLocks noChangeAspect="1" noChangeArrowheads="1"/>
           </p:cNvPicPr>
@@ -29778,8 +29810,8 @@
         </p:blipFill>
         <p:spPr bwMode="auto">
           <a:xfrm>
-            <a:off x="141288" y="174625"/>
-            <a:ext cx="4495800" cy="6292850"/>
+            <a:off x="1981200" y="1462088"/>
+            <a:ext cx="5184775" cy="5091112"/>
           </a:xfrm>
           <a:prstGeom prst="rect">
             <a:avLst/>
@@ -29798,7 +29830,7 @@
       </p:pic>
       <p:sp>
         <p:nvSpPr>
-          <p:cNvPr id="588805" name="Rectangle 5"/>
+          <p:cNvPr id="589829" name="Rectangle 5"/>
           <p:cNvSpPr>
             <a:spLocks noGrp="1" noChangeArrowheads="1"/>
           </p:cNvSpPr>
@@ -29806,12 +29838,7 @@
             <p:ph type="title"/>
           </p:nvPr>
         </p:nvSpPr>
-        <p:spPr>
-          <a:xfrm>
-            <a:off x="5257800" y="228600"/>
-            <a:ext cx="3817938" cy="992188"/>
-          </a:xfrm>
-        </p:spPr>
+        <p:spPr/>
         <p:txBody>
           <a:bodyPr/>
           <a:lstStyle/>
@@ -29828,16 +29855,19 @@
             </a:r>
             <a:r>
               <a:rPr lang="en-US" altLang="zh-CN" dirty="0" smtClean="0"/>
-              <a:t>.5 </a:t>
+              <a:t>.5</a:t>
             </a:r>
             <a:r>
               <a:rPr lang="en-US" altLang="zh-CN" dirty="0"/>
-              <a:t>(2/4)</a:t>
+              <a:t/>
             </a:r>
             <a:br>
               <a:rPr lang="en-US" altLang="zh-CN" dirty="0"/>
             </a:br>
-            <a:endParaRPr lang="en-US" altLang="zh-CN" dirty="0"/>
+            <a:r>
+              <a:rPr lang="en-US" altLang="zh-CN" dirty="0"/>
+              <a:t>(3/4)</a:t>
+            </a:r>
           </a:p>
         </p:txBody>
       </p:sp>
@@ -29895,7 +29925,7 @@
               <a:rPr lang="en-US" altLang="zh-CN" dirty="0" smtClean="0"/>
               <a:t>Slide 10- </a:t>
             </a:r>
-            <a:fld id="{FEF4AD88-0493-4328-9DB6-74A6C27EF0DE}" type="slidenum">
+            <a:fld id="{E2611FB4-0E57-4F43-9489-C5F4ABB011D9}" type="slidenum">
               <a:rPr lang="en-US" altLang="zh-CN" smtClean="0"/>
               <a:pPr/>
               <a:t>83</a:t>
@@ -29908,7 +29938,7 @@
       </p:sp>
       <p:sp>
         <p:nvSpPr>
-          <p:cNvPr id="589826" name="AutoShape 2">
+          <p:cNvPr id="590850" name="AutoShape 2">
             <a:hlinkClick r:id="rId2" action="ppaction://hlinksldjump"/>
           </p:cNvPr>
           <p:cNvSpPr>
@@ -29978,7 +30008,7 @@
       </p:sp>
       <p:sp>
         <p:nvSpPr>
-          <p:cNvPr id="589827" name="AutoShape 3">
+          <p:cNvPr id="590851" name="AutoShape 3">
             <a:hlinkClick r:id="rId3" action="ppaction://hlinksldjump"/>
           </p:cNvPr>
           <p:cNvSpPr>
@@ -30048,14 +30078,14 @@
       </p:sp>
       <p:pic>
         <p:nvPicPr>
-          <p:cNvPr id="589828" name="Picture 4" descr="06"/>
+          <p:cNvPr id="590852" name="Picture 4" descr="06"/>
           <p:cNvPicPr>
             <a:picLocks noChangeAspect="1" noChangeArrowheads="1"/>
           </p:cNvPicPr>
           <p:nvPr/>
         </p:nvPicPr>
         <p:blipFill>
-          <a:blip r:embed="rId4">
+          <a:blip r:embed="rId4" cstate="print">
             <a:extLst>
               <a:ext uri="{28A0092B-C50C-407E-A947-70E740481C1C}">
                 <a14:useLocalDpi xmlns:a14="http://schemas.microsoft.com/office/drawing/2010/main" val="0"/>
@@ -30069,8 +30099,8 @@
         </p:blipFill>
         <p:spPr bwMode="auto">
           <a:xfrm>
-            <a:off x="1981200" y="1462088"/>
-            <a:ext cx="5184775" cy="5091112"/>
+            <a:off x="1420813" y="1692275"/>
+            <a:ext cx="6351587" cy="4816475"/>
           </a:xfrm>
           <a:prstGeom prst="rect">
             <a:avLst/>
@@ -30089,7 +30119,7 @@
       </p:pic>
       <p:sp>
         <p:nvSpPr>
-          <p:cNvPr id="589829" name="Rectangle 5"/>
+          <p:cNvPr id="590853" name="Rectangle 5"/>
           <p:cNvSpPr>
             <a:spLocks noGrp="1" noChangeArrowheads="1"/>
           </p:cNvSpPr>
@@ -30125,7 +30155,7 @@
             </a:br>
             <a:r>
               <a:rPr lang="en-US" altLang="zh-CN" dirty="0"/>
-              <a:t>(3/4)</a:t>
+              <a:t>(4/4)</a:t>
             </a:r>
           </a:p>
         </p:txBody>
@@ -30184,7 +30214,7 @@
               <a:rPr lang="en-US" altLang="zh-CN" dirty="0" smtClean="0"/>
               <a:t>Slide 10- </a:t>
             </a:r>
-            <a:fld id="{E2611FB4-0E57-4F43-9489-C5F4ABB011D9}" type="slidenum">
+            <a:fld id="{54A63EB1-15B4-4A53-92E7-5502A4C34F49}" type="slidenum">
               <a:rPr lang="en-US" altLang="zh-CN" smtClean="0"/>
               <a:pPr/>
               <a:t>84</a:t>
@@ -30197,7 +30227,7 @@
       </p:sp>
       <p:sp>
         <p:nvSpPr>
-          <p:cNvPr id="590850" name="AutoShape 2">
+          <p:cNvPr id="603138" name="AutoShape 2">
             <a:hlinkClick r:id="rId2" action="ppaction://hlinksldjump"/>
           </p:cNvPr>
           <p:cNvSpPr>
@@ -30267,7 +30297,7 @@
       </p:sp>
       <p:sp>
         <p:nvSpPr>
-          <p:cNvPr id="590851" name="AutoShape 3">
+          <p:cNvPr id="603139" name="AutoShape 3">
             <a:hlinkClick r:id="rId3" action="ppaction://hlinksldjump"/>
           </p:cNvPr>
           <p:cNvSpPr>
@@ -30335,16 +30365,59 @@
           </a:p>
         </p:txBody>
       </p:sp>
+      <p:sp>
+        <p:nvSpPr>
+          <p:cNvPr id="603140" name="Rectangle 4"/>
+          <p:cNvSpPr>
+            <a:spLocks noGrp="1" noChangeArrowheads="1"/>
+          </p:cNvSpPr>
+          <p:nvPr>
+            <p:ph type="title"/>
+          </p:nvPr>
+        </p:nvSpPr>
+        <p:spPr/>
+        <p:txBody>
+          <a:bodyPr/>
+          <a:lstStyle/>
+          <a:p>
+            <a:r>
+              <a:rPr lang="en-US" altLang="zh-CN" dirty="0"/>
+              <a:t>Display </a:t>
+            </a:r>
+            <a:r>
+              <a:rPr lang="en-US" altLang="zh-CN" dirty="0" smtClean="0">
+                <a:ea typeface="宋体" panose="02010600030101010101" pitchFamily="2" charset="-122"/>
+              </a:rPr>
+              <a:t>10</a:t>
+            </a:r>
+            <a:r>
+              <a:rPr lang="en-US" altLang="zh-CN" dirty="0" smtClean="0"/>
+              <a:t>.6 </a:t>
+            </a:r>
+            <a:r>
+              <a:rPr lang="en-US" altLang="zh-CN" dirty="0"/>
+              <a:t/>
+            </a:r>
+            <a:br>
+              <a:rPr lang="en-US" altLang="zh-CN" dirty="0"/>
+            </a:br>
+            <a:r>
+              <a:rPr lang="en-US" altLang="zh-CN" dirty="0"/>
+              <a:t>(1/3)</a:t>
+            </a:r>
+          </a:p>
+        </p:txBody>
+      </p:sp>
       <p:pic>
         <p:nvPicPr>
-          <p:cNvPr id="590852" name="Picture 4" descr="06"/>
+          <p:cNvPr id="603143" name="Picture 7" descr="未命名2"/>
           <p:cNvPicPr>
             <a:picLocks noChangeAspect="1" noChangeArrowheads="1"/>
           </p:cNvPicPr>
           <p:nvPr/>
         </p:nvPicPr>
         <p:blipFill>
-          <a:blip r:embed="rId4" cstate="print">
+          <a:blip r:embed="rId4">
             <a:extLst>
               <a:ext uri="{28A0092B-C50C-407E-A947-70E740481C1C}">
                 <a14:useLocalDpi xmlns:a14="http://schemas.microsoft.com/office/drawing/2010/main" val="0"/>
@@ -30358,8 +30431,8 @@
         </p:blipFill>
         <p:spPr bwMode="auto">
           <a:xfrm>
-            <a:off x="1420813" y="1692275"/>
-            <a:ext cx="6351587" cy="4816475"/>
+            <a:off x="0" y="1444625"/>
+            <a:ext cx="9144000" cy="4960938"/>
           </a:xfrm>
           <a:prstGeom prst="rect">
             <a:avLst/>
@@ -30376,49 +30449,6 @@
           </a:extLst>
         </p:spPr>
       </p:pic>
-      <p:sp>
-        <p:nvSpPr>
-          <p:cNvPr id="590853" name="Rectangle 5"/>
-          <p:cNvSpPr>
-            <a:spLocks noGrp="1" noChangeArrowheads="1"/>
-          </p:cNvSpPr>
-          <p:nvPr>
-            <p:ph type="title"/>
-          </p:nvPr>
-        </p:nvSpPr>
-        <p:spPr/>
-        <p:txBody>
-          <a:bodyPr/>
-          <a:lstStyle/>
-          <a:p>
-            <a:r>
-              <a:rPr lang="en-US" altLang="zh-CN" dirty="0"/>
-              <a:t>Display </a:t>
-            </a:r>
-            <a:r>
-              <a:rPr lang="en-US" altLang="zh-CN" dirty="0" smtClean="0">
-                <a:ea typeface="宋体" panose="02010600030101010101" pitchFamily="2" charset="-122"/>
-              </a:rPr>
-              <a:t>10</a:t>
-            </a:r>
-            <a:r>
-              <a:rPr lang="en-US" altLang="zh-CN" dirty="0" smtClean="0"/>
-              <a:t>.5</a:t>
-            </a:r>
-            <a:r>
-              <a:rPr lang="en-US" altLang="zh-CN" dirty="0"/>
-              <a:t/>
-            </a:r>
-            <a:br>
-              <a:rPr lang="en-US" altLang="zh-CN" dirty="0"/>
-            </a:br>
-            <a:r>
-              <a:rPr lang="en-US" altLang="zh-CN" dirty="0"/>
-              <a:t>(4/4)</a:t>
-            </a:r>
-          </a:p>
-        </p:txBody>
-      </p:sp>
     </p:spTree>
   </p:cSld>
   <p:clrMapOvr>
@@ -30456,7 +30486,7 @@
       </p:grpSpPr>
       <p:sp>
         <p:nvSpPr>
-          <p:cNvPr id="6" name="灯片编号占位符 2"/>
+          <p:cNvPr id="7" name="灯片编号占位符 2"/>
           <p:cNvSpPr>
             <a:spLocks noGrp="1"/>
           </p:cNvSpPr>
@@ -30473,7 +30503,7 @@
               <a:rPr lang="en-US" altLang="zh-CN" dirty="0" smtClean="0"/>
               <a:t>Slide 10- </a:t>
             </a:r>
-            <a:fld id="{54A63EB1-15B4-4A53-92E7-5502A4C34F49}" type="slidenum">
+            <a:fld id="{FCA17F10-242F-4B77-83D8-0072AECAB3F1}" type="slidenum">
               <a:rPr lang="en-US" altLang="zh-CN" smtClean="0"/>
               <a:pPr/>
               <a:t>85</a:t>
@@ -30486,7 +30516,60 @@
       </p:sp>
       <p:sp>
         <p:nvSpPr>
-          <p:cNvPr id="603138" name="AutoShape 2">
+          <p:cNvPr id="591879" name="Rectangle 7"/>
+          <p:cNvSpPr>
+            <a:spLocks noChangeArrowheads="1"/>
+          </p:cNvSpPr>
+          <p:nvPr/>
+        </p:nvSpPr>
+        <p:spPr bwMode="auto">
+          <a:xfrm>
+            <a:off x="0" y="381000"/>
+            <a:ext cx="5151438" cy="1066800"/>
+          </a:xfrm>
+          <a:prstGeom prst="rect">
+            <a:avLst/>
+          </a:prstGeom>
+          <a:solidFill>
+            <a:schemeClr val="bg1"/>
+          </a:solidFill>
+          <a:ln>
+            <a:noFill/>
+          </a:ln>
+          <a:effectLst/>
+          <a:extLst>
+            <a:ext uri="{91240B29-F687-4F45-9708-019B960494DF}">
+              <a14:hiddenLine xmlns:a14="http://schemas.microsoft.com/office/drawing/2010/main" w="9525">
+                <a:solidFill>
+                  <a:schemeClr val="tx1"/>
+                </a:solidFill>
+                <a:miter lim="800000"/>
+                <a:headEnd/>
+                <a:tailEnd/>
+              </a14:hiddenLine>
+            </a:ext>
+            <a:ext uri="{AF507438-7753-43E0-B8FC-AC1667EBCBE1}">
+              <a14:hiddenEffects xmlns:a14="http://schemas.microsoft.com/office/drawing/2010/main">
+                <a:effectLst>
+                  <a:outerShdw dist="35921" dir="2700000" algn="ctr" rotWithShape="0">
+                    <a:schemeClr val="bg2"/>
+                  </a:outerShdw>
+                </a:effectLst>
+              </a14:hiddenEffects>
+            </a:ext>
+          </a:extLst>
+        </p:spPr>
+        <p:txBody>
+          <a:bodyPr wrap="none" anchor="ctr"/>
+          <a:lstStyle/>
+          <a:p>
+            <a:endParaRPr lang="zh-CN" altLang="en-US"/>
+          </a:p>
+        </p:txBody>
+      </p:sp>
+      <p:sp>
+        <p:nvSpPr>
+          <p:cNvPr id="591874" name="AutoShape 2">
             <a:hlinkClick r:id="rId2" action="ppaction://hlinksldjump"/>
           </p:cNvPr>
           <p:cNvSpPr>
@@ -30556,7 +30639,7 @@
       </p:sp>
       <p:sp>
         <p:nvSpPr>
-          <p:cNvPr id="603139" name="AutoShape 3">
+          <p:cNvPr id="591875" name="AutoShape 3">
             <a:hlinkClick r:id="rId3" action="ppaction://hlinksldjump"/>
           </p:cNvPr>
           <p:cNvSpPr>
@@ -30626,7 +30709,7 @@
       </p:sp>
       <p:sp>
         <p:nvSpPr>
-          <p:cNvPr id="603140" name="Rectangle 4"/>
+          <p:cNvPr id="591877" name="Rectangle 5"/>
           <p:cNvSpPr>
             <a:spLocks noGrp="1" noChangeArrowheads="1"/>
           </p:cNvSpPr>
@@ -30634,7 +30717,12 @@
             <p:ph type="title"/>
           </p:nvPr>
         </p:nvSpPr>
-        <p:spPr/>
+        <p:spPr>
+          <a:xfrm>
+            <a:off x="5195888" y="228600"/>
+            <a:ext cx="3871912" cy="992188"/>
+          </a:xfrm>
+        </p:spPr>
         <p:txBody>
           <a:bodyPr/>
           <a:lstStyle/>
@@ -30655,28 +30743,25 @@
             </a:r>
             <a:r>
               <a:rPr lang="en-US" altLang="zh-CN" dirty="0"/>
-              <a:t/>
+              <a:t>(2/3)</a:t>
             </a:r>
             <a:br>
               <a:rPr lang="en-US" altLang="zh-CN" dirty="0"/>
             </a:br>
-            <a:r>
-              <a:rPr lang="en-US" altLang="zh-CN" dirty="0"/>
-              <a:t>(1/3)</a:t>
-            </a:r>
+            <a:endParaRPr lang="en-US" altLang="zh-CN" dirty="0"/>
           </a:p>
         </p:txBody>
       </p:sp>
       <p:pic>
         <p:nvPicPr>
-          <p:cNvPr id="603143" name="Picture 7" descr="未命名2"/>
+          <p:cNvPr id="591883" name="Picture 11" descr="未命名2"/>
           <p:cNvPicPr>
             <a:picLocks noChangeAspect="1" noChangeArrowheads="1"/>
           </p:cNvPicPr>
           <p:nvPr/>
         </p:nvPicPr>
         <p:blipFill>
-          <a:blip r:embed="rId4">
+          <a:blip r:embed="rId4" cstate="print">
             <a:extLst>
               <a:ext uri="{28A0092B-C50C-407E-A947-70E740481C1C}">
                 <a14:useLocalDpi xmlns:a14="http://schemas.microsoft.com/office/drawing/2010/main" val="0"/>
@@ -30690,8 +30775,8 @@
         </p:blipFill>
         <p:spPr bwMode="auto">
           <a:xfrm>
-            <a:off x="0" y="1444625"/>
-            <a:ext cx="9144000" cy="4960938"/>
+            <a:off x="0" y="381000"/>
+            <a:ext cx="5195888" cy="6176963"/>
           </a:xfrm>
           <a:prstGeom prst="rect">
             <a:avLst/>
@@ -30745,7 +30830,7 @@
       </p:grpSpPr>
       <p:sp>
         <p:nvSpPr>
-          <p:cNvPr id="7" name="灯片编号占位符 2"/>
+          <p:cNvPr id="6" name="灯片编号占位符 2"/>
           <p:cNvSpPr>
             <a:spLocks noGrp="1"/>
           </p:cNvSpPr>
@@ -30762,7 +30847,7 @@
               <a:rPr lang="en-US" altLang="zh-CN" dirty="0" smtClean="0"/>
               <a:t>Slide 10- </a:t>
             </a:r>
-            <a:fld id="{FCA17F10-242F-4B77-83D8-0072AECAB3F1}" type="slidenum">
+            <a:fld id="{ED47F0E4-CB83-43BF-981A-ECF09379458C}" type="slidenum">
               <a:rPr lang="en-US" altLang="zh-CN" smtClean="0"/>
               <a:pPr/>
               <a:t>86</a:t>
@@ -30775,60 +30860,7 @@
       </p:sp>
       <p:sp>
         <p:nvSpPr>
-          <p:cNvPr id="591879" name="Rectangle 7"/>
-          <p:cNvSpPr>
-            <a:spLocks noChangeArrowheads="1"/>
-          </p:cNvSpPr>
-          <p:nvPr/>
-        </p:nvSpPr>
-        <p:spPr bwMode="auto">
-          <a:xfrm>
-            <a:off x="0" y="381000"/>
-            <a:ext cx="5151438" cy="1066800"/>
-          </a:xfrm>
-          <a:prstGeom prst="rect">
-            <a:avLst/>
-          </a:prstGeom>
-          <a:solidFill>
-            <a:schemeClr val="bg1"/>
-          </a:solidFill>
-          <a:ln>
-            <a:noFill/>
-          </a:ln>
-          <a:effectLst/>
-          <a:extLst>
-            <a:ext uri="{91240B29-F687-4F45-9708-019B960494DF}">
-              <a14:hiddenLine xmlns:a14="http://schemas.microsoft.com/office/drawing/2010/main" w="9525">
-                <a:solidFill>
-                  <a:schemeClr val="tx1"/>
-                </a:solidFill>
-                <a:miter lim="800000"/>
-                <a:headEnd/>
-                <a:tailEnd/>
-              </a14:hiddenLine>
-            </a:ext>
-            <a:ext uri="{AF507438-7753-43E0-B8FC-AC1667EBCBE1}">
-              <a14:hiddenEffects xmlns:a14="http://schemas.microsoft.com/office/drawing/2010/main">
-                <a:effectLst>
-                  <a:outerShdw dist="35921" dir="2700000" algn="ctr" rotWithShape="0">
-                    <a:schemeClr val="bg2"/>
-                  </a:outerShdw>
-                </a:effectLst>
-              </a14:hiddenEffects>
-            </a:ext>
-          </a:extLst>
-        </p:spPr>
-        <p:txBody>
-          <a:bodyPr wrap="none" anchor="ctr"/>
-          <a:lstStyle/>
-          <a:p>
-            <a:endParaRPr lang="zh-CN" altLang="en-US"/>
-          </a:p>
-        </p:txBody>
-      </p:sp>
-      <p:sp>
-        <p:nvSpPr>
-          <p:cNvPr id="591874" name="AutoShape 2">
+          <p:cNvPr id="593922" name="AutoShape 2">
             <a:hlinkClick r:id="rId2" action="ppaction://hlinksldjump"/>
           </p:cNvPr>
           <p:cNvSpPr>
@@ -30898,7 +30930,7 @@
       </p:sp>
       <p:sp>
         <p:nvSpPr>
-          <p:cNvPr id="591875" name="AutoShape 3">
+          <p:cNvPr id="593923" name="AutoShape 3">
             <a:hlinkClick r:id="rId3" action="ppaction://hlinksldjump"/>
           </p:cNvPr>
           <p:cNvSpPr>
@@ -30968,7 +31000,7 @@
       </p:sp>
       <p:sp>
         <p:nvSpPr>
-          <p:cNvPr id="591877" name="Rectangle 5"/>
+          <p:cNvPr id="593925" name="Rectangle 5"/>
           <p:cNvSpPr>
             <a:spLocks noGrp="1" noChangeArrowheads="1"/>
           </p:cNvSpPr>
@@ -30976,12 +31008,7 @@
             <p:ph type="title"/>
           </p:nvPr>
         </p:nvSpPr>
-        <p:spPr>
-          <a:xfrm>
-            <a:off x="5195888" y="228600"/>
-            <a:ext cx="3871912" cy="992188"/>
-          </a:xfrm>
-        </p:spPr>
+        <p:spPr/>
         <p:txBody>
           <a:bodyPr/>
           <a:lstStyle/>
@@ -31002,25 +31029,28 @@
             </a:r>
             <a:r>
               <a:rPr lang="en-US" altLang="zh-CN" dirty="0"/>
-              <a:t>(2/3)</a:t>
+              <a:t/>
             </a:r>
             <a:br>
               <a:rPr lang="en-US" altLang="zh-CN" dirty="0"/>
             </a:br>
-            <a:endParaRPr lang="en-US" altLang="zh-CN" dirty="0"/>
+            <a:r>
+              <a:rPr lang="en-US" altLang="zh-CN" dirty="0"/>
+              <a:t>(3/3)</a:t>
+            </a:r>
           </a:p>
         </p:txBody>
       </p:sp>
       <p:pic>
         <p:nvPicPr>
-          <p:cNvPr id="591883" name="Picture 11" descr="未命名2"/>
+          <p:cNvPr id="593928" name="Picture 8" descr="未命名2"/>
           <p:cNvPicPr>
             <a:picLocks noChangeAspect="1" noChangeArrowheads="1"/>
           </p:cNvPicPr>
           <p:nvPr/>
         </p:nvPicPr>
         <p:blipFill>
-          <a:blip r:embed="rId4" cstate="print">
+          <a:blip r:embed="rId4">
             <a:extLst>
               <a:ext uri="{28A0092B-C50C-407E-A947-70E740481C1C}">
                 <a14:useLocalDpi xmlns:a14="http://schemas.microsoft.com/office/drawing/2010/main" val="0"/>
@@ -31034,8 +31064,8 @@
         </p:blipFill>
         <p:spPr bwMode="auto">
           <a:xfrm>
-            <a:off x="0" y="381000"/>
-            <a:ext cx="5195888" cy="6176963"/>
+            <a:off x="0" y="1524000"/>
+            <a:ext cx="9144000" cy="5110163"/>
           </a:xfrm>
           <a:prstGeom prst="rect">
             <a:avLst/>
@@ -31089,7 +31119,7 @@
       </p:grpSpPr>
       <p:sp>
         <p:nvSpPr>
-          <p:cNvPr id="6" name="灯片编号占位符 2"/>
+          <p:cNvPr id="7" name="灯片编号占位符 2"/>
           <p:cNvSpPr>
             <a:spLocks noGrp="1"/>
           </p:cNvSpPr>
@@ -31106,7 +31136,7 @@
               <a:rPr lang="en-US" altLang="zh-CN" dirty="0" smtClean="0"/>
               <a:t>Slide 10- </a:t>
             </a:r>
-            <a:fld id="{ED47F0E4-CB83-43BF-981A-ECF09379458C}" type="slidenum">
+            <a:fld id="{1A0B85A7-FA98-4ED9-85A8-919DCF3A862B}" type="slidenum">
               <a:rPr lang="en-US" altLang="zh-CN" smtClean="0"/>
               <a:pPr/>
               <a:t>87</a:t>
@@ -31119,7 +31149,60 @@
       </p:sp>
       <p:sp>
         <p:nvSpPr>
-          <p:cNvPr id="593922" name="AutoShape 2">
+          <p:cNvPr id="594950" name="Rectangle 6"/>
+          <p:cNvSpPr>
+            <a:spLocks noChangeArrowheads="1"/>
+          </p:cNvSpPr>
+          <p:nvPr/>
+        </p:nvSpPr>
+        <p:spPr bwMode="auto">
+          <a:xfrm>
+            <a:off x="0" y="304800"/>
+            <a:ext cx="5164138" cy="1319213"/>
+          </a:xfrm>
+          <a:prstGeom prst="rect">
+            <a:avLst/>
+          </a:prstGeom>
+          <a:solidFill>
+            <a:schemeClr val="bg1"/>
+          </a:solidFill>
+          <a:ln>
+            <a:noFill/>
+          </a:ln>
+          <a:effectLst/>
+          <a:extLst>
+            <a:ext uri="{91240B29-F687-4F45-9708-019B960494DF}">
+              <a14:hiddenLine xmlns:a14="http://schemas.microsoft.com/office/drawing/2010/main" w="9525">
+                <a:solidFill>
+                  <a:schemeClr val="tx1"/>
+                </a:solidFill>
+                <a:miter lim="800000"/>
+                <a:headEnd/>
+                <a:tailEnd/>
+              </a14:hiddenLine>
+            </a:ext>
+            <a:ext uri="{AF507438-7753-43E0-B8FC-AC1667EBCBE1}">
+              <a14:hiddenEffects xmlns:a14="http://schemas.microsoft.com/office/drawing/2010/main">
+                <a:effectLst>
+                  <a:outerShdw dist="35921" dir="2700000" algn="ctr" rotWithShape="0">
+                    <a:schemeClr val="bg2"/>
+                  </a:outerShdw>
+                </a:effectLst>
+              </a14:hiddenEffects>
+            </a:ext>
+          </a:extLst>
+        </p:spPr>
+        <p:txBody>
+          <a:bodyPr wrap="none" anchor="ctr"/>
+          <a:lstStyle/>
+          <a:p>
+            <a:endParaRPr lang="zh-CN" altLang="en-US"/>
+          </a:p>
+        </p:txBody>
+      </p:sp>
+      <p:sp>
+        <p:nvSpPr>
+          <p:cNvPr id="594946" name="AutoShape 2">
             <a:hlinkClick r:id="rId2" action="ppaction://hlinksldjump"/>
           </p:cNvPr>
           <p:cNvSpPr>
@@ -31129,7 +31212,7 @@
         </p:nvSpPr>
         <p:spPr bwMode="auto">
           <a:xfrm>
-            <a:off x="5435600" y="704850"/>
+            <a:off x="5562600" y="831850"/>
             <a:ext cx="1270000" cy="584200"/>
           </a:xfrm>
           <a:prstGeom prst="leftArrow">
@@ -31189,7 +31272,7 @@
       </p:sp>
       <p:sp>
         <p:nvSpPr>
-          <p:cNvPr id="593923" name="AutoShape 3">
+          <p:cNvPr id="594947" name="AutoShape 3">
             <a:hlinkClick r:id="rId3" action="ppaction://hlinksldjump"/>
           </p:cNvPr>
           <p:cNvSpPr>
@@ -31199,7 +31282,7 @@
         </p:nvSpPr>
         <p:spPr bwMode="auto">
           <a:xfrm>
-            <a:off x="7188200" y="685800"/>
+            <a:off x="7315200" y="812800"/>
             <a:ext cx="1066800" cy="635000"/>
           </a:xfrm>
           <a:prstGeom prst="rightArrow">
@@ -31259,7 +31342,7 @@
       </p:sp>
       <p:sp>
         <p:nvSpPr>
-          <p:cNvPr id="593925" name="Rectangle 5"/>
+          <p:cNvPr id="594949" name="Rectangle 5"/>
           <p:cNvSpPr>
             <a:spLocks noGrp="1" noChangeArrowheads="1"/>
           </p:cNvSpPr>
@@ -31267,7 +31350,12 @@
             <p:ph type="title"/>
           </p:nvPr>
         </p:nvSpPr>
-        <p:spPr/>
+        <p:spPr>
+          <a:xfrm>
+            <a:off x="5181600" y="228600"/>
+            <a:ext cx="3886200" cy="992188"/>
+          </a:xfrm>
+        </p:spPr>
         <p:txBody>
           <a:bodyPr/>
           <a:lstStyle/>
@@ -31284,32 +31372,29 @@
             </a:r>
             <a:r>
               <a:rPr lang="en-US" altLang="zh-CN" dirty="0" smtClean="0"/>
-              <a:t>.6 </a:t>
+              <a:t>.7 </a:t>
             </a:r>
             <a:r>
               <a:rPr lang="en-US" altLang="zh-CN" dirty="0"/>
-              <a:t/>
+              <a:t>(1/3)</a:t>
             </a:r>
             <a:br>
               <a:rPr lang="en-US" altLang="zh-CN" dirty="0"/>
             </a:br>
-            <a:r>
-              <a:rPr lang="en-US" altLang="zh-CN" dirty="0"/>
-              <a:t>(3/3)</a:t>
-            </a:r>
+            <a:endParaRPr lang="en-US" altLang="zh-CN" dirty="0"/>
           </a:p>
         </p:txBody>
       </p:sp>
       <p:pic>
         <p:nvPicPr>
-          <p:cNvPr id="593928" name="Picture 8" descr="未命名2"/>
+          <p:cNvPr id="594952" name="Picture 8" descr="未命名"/>
           <p:cNvPicPr>
             <a:picLocks noChangeAspect="1" noChangeArrowheads="1"/>
           </p:cNvPicPr>
           <p:nvPr/>
         </p:nvPicPr>
         <p:blipFill>
-          <a:blip r:embed="rId4">
+          <a:blip r:embed="rId4" cstate="print">
             <a:extLst>
               <a:ext uri="{28A0092B-C50C-407E-A947-70E740481C1C}">
                 <a14:useLocalDpi xmlns:a14="http://schemas.microsoft.com/office/drawing/2010/main" val="0"/>
@@ -31323,8 +31408,8 @@
         </p:blipFill>
         <p:spPr bwMode="auto">
           <a:xfrm>
-            <a:off x="0" y="1524000"/>
-            <a:ext cx="9144000" cy="5110163"/>
+            <a:off x="0" y="304800"/>
+            <a:ext cx="5164138" cy="6248400"/>
           </a:xfrm>
           <a:prstGeom prst="rect">
             <a:avLst/>
@@ -31395,7 +31480,7 @@
               <a:rPr lang="en-US" altLang="zh-CN" dirty="0" smtClean="0"/>
               <a:t>Slide 10- </a:t>
             </a:r>
-            <a:fld id="{1A0B85A7-FA98-4ED9-85A8-919DCF3A862B}" type="slidenum">
+            <a:fld id="{087B555A-E0D9-4D04-9637-0DF93E508481}" type="slidenum">
               <a:rPr lang="en-US" altLang="zh-CN" smtClean="0"/>
               <a:pPr/>
               <a:t>88</a:t>
@@ -31408,7 +31493,7 @@
       </p:sp>
       <p:sp>
         <p:nvSpPr>
-          <p:cNvPr id="594950" name="Rectangle 6"/>
+          <p:cNvPr id="595974" name="Rectangle 6"/>
           <p:cNvSpPr>
             <a:spLocks noChangeArrowheads="1"/>
           </p:cNvSpPr>
@@ -31416,8 +31501,8 @@
         </p:nvSpPr>
         <p:spPr bwMode="auto">
           <a:xfrm>
-            <a:off x="0" y="304800"/>
-            <a:ext cx="5164138" cy="1319213"/>
+            <a:off x="0" y="257175"/>
+            <a:ext cx="5273675" cy="1495425"/>
           </a:xfrm>
           <a:prstGeom prst="rect">
             <a:avLst/>
@@ -31461,7 +31546,7 @@
       </p:sp>
       <p:sp>
         <p:nvSpPr>
-          <p:cNvPr id="594946" name="AutoShape 2">
+          <p:cNvPr id="595970" name="AutoShape 2">
             <a:hlinkClick r:id="rId2" action="ppaction://hlinksldjump"/>
           </p:cNvPr>
           <p:cNvSpPr>
@@ -31471,7 +31556,7 @@
         </p:nvSpPr>
         <p:spPr bwMode="auto">
           <a:xfrm>
-            <a:off x="5562600" y="831850"/>
+            <a:off x="5435600" y="704850"/>
             <a:ext cx="1270000" cy="584200"/>
           </a:xfrm>
           <a:prstGeom prst="leftArrow">
@@ -31531,8 +31616,8 @@
       </p:sp>
       <p:sp>
         <p:nvSpPr>
-          <p:cNvPr id="594947" name="AutoShape 3">
-            <a:hlinkClick r:id="rId3" action="ppaction://hlinksldjump"/>
+          <p:cNvPr id="595971" name="AutoShape 3">
+            <a:hlinkClick r:id="" action="ppaction://noaction"/>
           </p:cNvPr>
           <p:cNvSpPr>
             <a:spLocks noChangeArrowheads="1"/>
@@ -31541,7 +31626,7 @@
         </p:nvSpPr>
         <p:spPr bwMode="auto">
           <a:xfrm>
-            <a:off x="7315200" y="812800"/>
+            <a:off x="7188200" y="685800"/>
             <a:ext cx="1066800" cy="635000"/>
           </a:xfrm>
           <a:prstGeom prst="rightArrow">
@@ -31601,7 +31686,7 @@
       </p:sp>
       <p:sp>
         <p:nvSpPr>
-          <p:cNvPr id="594949" name="Rectangle 5"/>
+          <p:cNvPr id="595973" name="Rectangle 5"/>
           <p:cNvSpPr>
             <a:spLocks noGrp="1" noChangeArrowheads="1"/>
           </p:cNvSpPr>
@@ -31611,8 +31696,8 @@
         </p:nvSpPr>
         <p:spPr>
           <a:xfrm>
-            <a:off x="5181600" y="228600"/>
-            <a:ext cx="3886200" cy="992188"/>
+            <a:off x="5210175" y="227013"/>
+            <a:ext cx="3857625" cy="992187"/>
           </a:xfrm>
         </p:spPr>
         <p:txBody>
@@ -31635,7 +31720,7 @@
             </a:r>
             <a:r>
               <a:rPr lang="en-US" altLang="zh-CN" dirty="0"/>
-              <a:t>(1/3)</a:t>
+              <a:t>(2/3)</a:t>
             </a:r>
             <a:br>
               <a:rPr lang="en-US" altLang="zh-CN" dirty="0"/>
@@ -31646,14 +31731,14 @@
       </p:sp>
       <p:pic>
         <p:nvPicPr>
-          <p:cNvPr id="594952" name="Picture 8" descr="未命名"/>
+          <p:cNvPr id="595976" name="Picture 8" descr="未命名"/>
           <p:cNvPicPr>
             <a:picLocks noChangeAspect="1" noChangeArrowheads="1"/>
           </p:cNvPicPr>
           <p:nvPr/>
         </p:nvPicPr>
         <p:blipFill>
-          <a:blip r:embed="rId4" cstate="print">
+          <a:blip r:embed="rId3" cstate="print">
             <a:extLst>
               <a:ext uri="{28A0092B-C50C-407E-A947-70E740481C1C}">
                 <a14:useLocalDpi xmlns:a14="http://schemas.microsoft.com/office/drawing/2010/main" val="0"/>
@@ -31667,8 +31752,8 @@
         </p:blipFill>
         <p:spPr bwMode="auto">
           <a:xfrm>
-            <a:off x="0" y="304800"/>
-            <a:ext cx="5164138" cy="6248400"/>
+            <a:off x="0" y="227013"/>
+            <a:ext cx="5257800" cy="6326187"/>
           </a:xfrm>
           <a:prstGeom prst="rect">
             <a:avLst/>
@@ -31739,7 +31824,7 @@
               <a:rPr lang="en-US" altLang="zh-CN" dirty="0" smtClean="0"/>
               <a:t>Slide 10- </a:t>
             </a:r>
-            <a:fld id="{087B555A-E0D9-4D04-9637-0DF93E508481}" type="slidenum">
+            <a:fld id="{3B64ACF9-7217-4E87-B990-30608E4DEEF0}" type="slidenum">
               <a:rPr lang="en-US" altLang="zh-CN" smtClean="0"/>
               <a:pPr/>
               <a:t>89</a:t>
@@ -31752,7 +31837,7 @@
       </p:sp>
       <p:sp>
         <p:nvSpPr>
-          <p:cNvPr id="595974" name="Rectangle 6"/>
+          <p:cNvPr id="604162" name="Rectangle 2"/>
           <p:cNvSpPr>
             <a:spLocks noChangeArrowheads="1"/>
           </p:cNvSpPr>
@@ -31760,8 +31845,8 @@
         </p:nvSpPr>
         <p:spPr bwMode="auto">
           <a:xfrm>
-            <a:off x="0" y="257175"/>
-            <a:ext cx="5273675" cy="1495425"/>
+            <a:off x="0" y="685800"/>
+            <a:ext cx="5486400" cy="1495425"/>
           </a:xfrm>
           <a:prstGeom prst="rect">
             <a:avLst/>
@@ -31805,7 +31890,7 @@
       </p:sp>
       <p:sp>
         <p:nvSpPr>
-          <p:cNvPr id="595970" name="AutoShape 2">
+          <p:cNvPr id="604163" name="AutoShape 3">
             <a:hlinkClick r:id="rId2" action="ppaction://hlinksldjump"/>
           </p:cNvPr>
           <p:cNvSpPr>
@@ -31815,7 +31900,7 @@
         </p:nvSpPr>
         <p:spPr bwMode="auto">
           <a:xfrm>
-            <a:off x="5435600" y="704850"/>
+            <a:off x="5715000" y="831850"/>
             <a:ext cx="1270000" cy="584200"/>
           </a:xfrm>
           <a:prstGeom prst="leftArrow">
@@ -31875,7 +31960,7 @@
       </p:sp>
       <p:sp>
         <p:nvSpPr>
-          <p:cNvPr id="595971" name="AutoShape 3">
+          <p:cNvPr id="604164" name="AutoShape 4">
             <a:hlinkClick r:id="" action="ppaction://noaction"/>
           </p:cNvPr>
           <p:cNvSpPr>
@@ -31885,7 +31970,7 @@
         </p:nvSpPr>
         <p:spPr bwMode="auto">
           <a:xfrm>
-            <a:off x="7188200" y="685800"/>
+            <a:off x="7467600" y="812800"/>
             <a:ext cx="1066800" cy="635000"/>
           </a:xfrm>
           <a:prstGeom prst="rightArrow">
@@ -31945,7 +32030,7 @@
       </p:sp>
       <p:sp>
         <p:nvSpPr>
-          <p:cNvPr id="595973" name="Rectangle 5"/>
+          <p:cNvPr id="604165" name="Rectangle 5"/>
           <p:cNvSpPr>
             <a:spLocks noGrp="1" noChangeArrowheads="1"/>
           </p:cNvSpPr>
@@ -31955,7 +32040,7 @@
         </p:nvSpPr>
         <p:spPr>
           <a:xfrm>
-            <a:off x="5210175" y="227013"/>
+            <a:off x="5362575" y="227013"/>
             <a:ext cx="3857625" cy="992187"/>
           </a:xfrm>
         </p:spPr>
@@ -31979,7 +32064,7 @@
             </a:r>
             <a:r>
               <a:rPr lang="en-US" altLang="zh-CN" dirty="0"/>
-              <a:t>(2/3)</a:t>
+              <a:t>(3/3)</a:t>
             </a:r>
             <a:br>
               <a:rPr lang="en-US" altLang="zh-CN" dirty="0"/>
@@ -31990,7 +32075,7 @@
       </p:sp>
       <p:pic>
         <p:nvPicPr>
-          <p:cNvPr id="595976" name="Picture 8" descr="未命名"/>
+          <p:cNvPr id="604168" name="Picture 8" descr="未命名"/>
           <p:cNvPicPr>
             <a:picLocks noChangeAspect="1" noChangeArrowheads="1"/>
           </p:cNvPicPr>
@@ -32011,8 +32096,8 @@
         </p:blipFill>
         <p:spPr bwMode="auto">
           <a:xfrm>
-            <a:off x="0" y="227013"/>
-            <a:ext cx="5257800" cy="6326187"/>
+            <a:off x="0" y="228600"/>
+            <a:ext cx="5486400" cy="6326188"/>
           </a:xfrm>
           <a:prstGeom prst="rect">
             <a:avLst/>
@@ -32281,350 +32366,6 @@
     <a:masterClrMapping/>
   </p:clrMapOvr>
   <p:transition spd="med">
-    <p:wipe dir="r"/>
-  </p:transition>
-  <p:timing>
-    <p:tnLst>
-      <p:par>
-        <p:cTn id="1" dur="indefinite" restart="never" nodeType="tmRoot"/>
-      </p:par>
-    </p:tnLst>
-  </p:timing>
-</p:sld>
-</file>
-
-<file path=ppt/slides/slide90.xml><?xml version="1.0" encoding="utf-8"?>
-<p:sld xmlns:a="http://schemas.openxmlformats.org/drawingml/2006/main" xmlns:r="http://schemas.openxmlformats.org/officeDocument/2006/relationships" xmlns:p="http://schemas.openxmlformats.org/presentationml/2006/main">
-  <p:cSld>
-    <p:spTree>
-      <p:nvGrpSpPr>
-        <p:cNvPr id="1" name=""/>
-        <p:cNvGrpSpPr/>
-        <p:nvPr/>
-      </p:nvGrpSpPr>
-      <p:grpSpPr>
-        <a:xfrm>
-          <a:off x="0" y="0"/>
-          <a:ext cx="0" cy="0"/>
-          <a:chOff x="0" y="0"/>
-          <a:chExt cx="0" cy="0"/>
-        </a:xfrm>
-      </p:grpSpPr>
-      <p:sp>
-        <p:nvSpPr>
-          <p:cNvPr id="7" name="灯片编号占位符 2"/>
-          <p:cNvSpPr>
-            <a:spLocks noGrp="1"/>
-          </p:cNvSpPr>
-          <p:nvPr>
-            <p:ph type="sldNum" sz="quarter" idx="10"/>
-          </p:nvPr>
-        </p:nvSpPr>
-        <p:spPr/>
-        <p:txBody>
-          <a:bodyPr/>
-          <a:lstStyle/>
-          <a:p>
-            <a:r>
-              <a:rPr lang="en-US" altLang="zh-CN" dirty="0" smtClean="0"/>
-              <a:t>Slide 10- </a:t>
-            </a:r>
-            <a:fld id="{3B64ACF9-7217-4E87-B990-30608E4DEEF0}" type="slidenum">
-              <a:rPr lang="en-US" altLang="zh-CN" smtClean="0"/>
-              <a:pPr/>
-              <a:t>90</a:t>
-            </a:fld>
-            <a:endParaRPr lang="en-CA" altLang="zh-CN" dirty="0">
-              <a:ea typeface="宋体" panose="02010600030101010101" pitchFamily="2" charset="-122"/>
-            </a:endParaRPr>
-          </a:p>
-        </p:txBody>
-      </p:sp>
-      <p:sp>
-        <p:nvSpPr>
-          <p:cNvPr id="604162" name="Rectangle 2"/>
-          <p:cNvSpPr>
-            <a:spLocks noChangeArrowheads="1"/>
-          </p:cNvSpPr>
-          <p:nvPr/>
-        </p:nvSpPr>
-        <p:spPr bwMode="auto">
-          <a:xfrm>
-            <a:off x="0" y="685800"/>
-            <a:ext cx="5486400" cy="1495425"/>
-          </a:xfrm>
-          <a:prstGeom prst="rect">
-            <a:avLst/>
-          </a:prstGeom>
-          <a:solidFill>
-            <a:schemeClr val="bg1"/>
-          </a:solidFill>
-          <a:ln>
-            <a:noFill/>
-          </a:ln>
-          <a:effectLst/>
-          <a:extLst>
-            <a:ext uri="{91240B29-F687-4F45-9708-019B960494DF}">
-              <a14:hiddenLine xmlns:a14="http://schemas.microsoft.com/office/drawing/2010/main" w="9525">
-                <a:solidFill>
-                  <a:schemeClr val="tx1"/>
-                </a:solidFill>
-                <a:miter lim="800000"/>
-                <a:headEnd/>
-                <a:tailEnd/>
-              </a14:hiddenLine>
-            </a:ext>
-            <a:ext uri="{AF507438-7753-43E0-B8FC-AC1667EBCBE1}">
-              <a14:hiddenEffects xmlns:a14="http://schemas.microsoft.com/office/drawing/2010/main">
-                <a:effectLst>
-                  <a:outerShdw dist="35921" dir="2700000" algn="ctr" rotWithShape="0">
-                    <a:schemeClr val="bg2"/>
-                  </a:outerShdw>
-                </a:effectLst>
-              </a14:hiddenEffects>
-            </a:ext>
-          </a:extLst>
-        </p:spPr>
-        <p:txBody>
-          <a:bodyPr wrap="none" anchor="ctr"/>
-          <a:lstStyle/>
-          <a:p>
-            <a:endParaRPr lang="zh-CN" altLang="en-US"/>
-          </a:p>
-        </p:txBody>
-      </p:sp>
-      <p:sp>
-        <p:nvSpPr>
-          <p:cNvPr id="604163" name="AutoShape 3">
-            <a:hlinkClick r:id="rId2" action="ppaction://hlinksldjump"/>
-          </p:cNvPr>
-          <p:cNvSpPr>
-            <a:spLocks noChangeArrowheads="1"/>
-          </p:cNvSpPr>
-          <p:nvPr/>
-        </p:nvSpPr>
-        <p:spPr bwMode="auto">
-          <a:xfrm>
-            <a:off x="5715000" y="831850"/>
-            <a:ext cx="1270000" cy="584200"/>
-          </a:xfrm>
-          <a:prstGeom prst="leftArrow">
-            <a:avLst>
-              <a:gd name="adj1" fmla="val 63046"/>
-              <a:gd name="adj2" fmla="val 43478"/>
-            </a:avLst>
-          </a:prstGeom>
-          <a:solidFill>
-            <a:srgbClr val="F8BE1A"/>
-          </a:solidFill>
-          <a:ln w="9525">
-            <a:solidFill>
-              <a:schemeClr val="tx2"/>
-            </a:solidFill>
-            <a:miter lim="800000"/>
-            <a:headEnd/>
-            <a:tailEnd/>
-          </a:ln>
-          <a:effectLst/>
-          <a:extLst>
-            <a:ext uri="{AF507438-7753-43E0-B8FC-AC1667EBCBE1}">
-              <a14:hiddenEffects xmlns:a14="http://schemas.microsoft.com/office/drawing/2010/main">
-                <a:effectLst>
-                  <a:outerShdw dist="35921" dir="2700000" algn="ctr" rotWithShape="0">
-                    <a:schemeClr val="bg2"/>
-                  </a:outerShdw>
-                </a:effectLst>
-              </a14:hiddenEffects>
-            </a:ext>
-          </a:extLst>
-        </p:spPr>
-        <p:txBody>
-          <a:bodyPr wrap="none" anchor="ctr"/>
-          <a:lstStyle/>
-          <a:p>
-            <a:pPr algn="ctr">
-              <a:spcBef>
-                <a:spcPct val="20000"/>
-              </a:spcBef>
-              <a:buClr>
-                <a:srgbClr val="CC0000"/>
-              </a:buClr>
-              <a:buFont typeface="Wingdings" panose="05000000000000000000" pitchFamily="2" charset="2"/>
-              <a:buNone/>
-            </a:pPr>
-            <a:r>
-              <a:rPr lang="en-US" altLang="zh-CN" sz="2800">
-                <a:solidFill>
-                  <a:schemeClr val="tx2"/>
-                </a:solidFill>
-              </a:rPr>
-              <a:t>Back</a:t>
-            </a:r>
-          </a:p>
-        </p:txBody>
-      </p:sp>
-      <p:sp>
-        <p:nvSpPr>
-          <p:cNvPr id="604164" name="AutoShape 4">
-            <a:hlinkClick r:id="" action="ppaction://noaction"/>
-          </p:cNvPr>
-          <p:cNvSpPr>
-            <a:spLocks noChangeArrowheads="1"/>
-          </p:cNvSpPr>
-          <p:nvPr/>
-        </p:nvSpPr>
-        <p:spPr bwMode="auto">
-          <a:xfrm>
-            <a:off x="7467600" y="812800"/>
-            <a:ext cx="1066800" cy="635000"/>
-          </a:xfrm>
-          <a:prstGeom prst="rightArrow">
-            <a:avLst>
-              <a:gd name="adj1" fmla="val 57843"/>
-              <a:gd name="adj2" fmla="val 43999"/>
-            </a:avLst>
-          </a:prstGeom>
-          <a:solidFill>
-            <a:srgbClr val="F8BE1A"/>
-          </a:solidFill>
-          <a:ln w="9525">
-            <a:solidFill>
-              <a:schemeClr val="tx2"/>
-            </a:solidFill>
-            <a:miter lim="800000"/>
-            <a:headEnd/>
-            <a:tailEnd/>
-          </a:ln>
-          <a:effectLst/>
-          <a:extLst>
-            <a:ext uri="{AF507438-7753-43E0-B8FC-AC1667EBCBE1}">
-              <a14:hiddenEffects xmlns:a14="http://schemas.microsoft.com/office/drawing/2010/main">
-                <a:effectLst>
-                  <a:outerShdw dist="35921" dir="2700000" algn="ctr" rotWithShape="0">
-                    <a:schemeClr val="bg2"/>
-                  </a:outerShdw>
-                </a:effectLst>
-              </a14:hiddenEffects>
-            </a:ext>
-          </a:extLst>
-        </p:spPr>
-        <p:txBody>
-          <a:bodyPr wrap="none" anchor="ctr"/>
-          <a:lstStyle/>
-          <a:p>
-            <a:pPr algn="ctr">
-              <a:spcBef>
-                <a:spcPct val="20000"/>
-              </a:spcBef>
-              <a:buClr>
-                <a:srgbClr val="CC0000"/>
-              </a:buClr>
-              <a:buFont typeface="Wingdings" panose="05000000000000000000" pitchFamily="2" charset="2"/>
-              <a:buNone/>
-            </a:pPr>
-            <a:r>
-              <a:rPr lang="en-US" altLang="zh-CN" sz="2800">
-                <a:solidFill>
-                  <a:schemeClr val="tx2"/>
-                </a:solidFill>
-              </a:rPr>
-              <a:t>Next</a:t>
-            </a:r>
-          </a:p>
-        </p:txBody>
-      </p:sp>
-      <p:sp>
-        <p:nvSpPr>
-          <p:cNvPr id="604165" name="Rectangle 5"/>
-          <p:cNvSpPr>
-            <a:spLocks noGrp="1" noChangeArrowheads="1"/>
-          </p:cNvSpPr>
-          <p:nvPr>
-            <p:ph type="title"/>
-          </p:nvPr>
-        </p:nvSpPr>
-        <p:spPr>
-          <a:xfrm>
-            <a:off x="5362575" y="227013"/>
-            <a:ext cx="3857625" cy="992187"/>
-          </a:xfrm>
-        </p:spPr>
-        <p:txBody>
-          <a:bodyPr/>
-          <a:lstStyle/>
-          <a:p>
-            <a:r>
-              <a:rPr lang="en-US" altLang="zh-CN" dirty="0"/>
-              <a:t>Display </a:t>
-            </a:r>
-            <a:r>
-              <a:rPr lang="en-US" altLang="zh-CN" dirty="0" smtClean="0">
-                <a:ea typeface="宋体" panose="02010600030101010101" pitchFamily="2" charset="-122"/>
-              </a:rPr>
-              <a:t>10</a:t>
-            </a:r>
-            <a:r>
-              <a:rPr lang="en-US" altLang="zh-CN" dirty="0" smtClean="0"/>
-              <a:t>.7 </a:t>
-            </a:r>
-            <a:r>
-              <a:rPr lang="en-US" altLang="zh-CN" dirty="0"/>
-              <a:t>(3/3)</a:t>
-            </a:r>
-            <a:br>
-              <a:rPr lang="en-US" altLang="zh-CN" dirty="0"/>
-            </a:br>
-            <a:endParaRPr lang="en-US" altLang="zh-CN" dirty="0"/>
-          </a:p>
-        </p:txBody>
-      </p:sp>
-      <p:pic>
-        <p:nvPicPr>
-          <p:cNvPr id="604168" name="Picture 8" descr="未命名"/>
-          <p:cNvPicPr>
-            <a:picLocks noChangeAspect="1" noChangeArrowheads="1"/>
-          </p:cNvPicPr>
-          <p:nvPr/>
-        </p:nvPicPr>
-        <p:blipFill>
-          <a:blip r:embed="rId3" cstate="print">
-            <a:extLst>
-              <a:ext uri="{28A0092B-C50C-407E-A947-70E740481C1C}">
-                <a14:useLocalDpi xmlns:a14="http://schemas.microsoft.com/office/drawing/2010/main" val="0"/>
-              </a:ext>
-            </a:extLst>
-          </a:blip>
-          <a:srcRect/>
-          <a:stretch>
-            <a:fillRect/>
-          </a:stretch>
-        </p:blipFill>
-        <p:spPr bwMode="auto">
-          <a:xfrm>
-            <a:off x="0" y="228600"/>
-            <a:ext cx="5486400" cy="6326188"/>
-          </a:xfrm>
-          <a:prstGeom prst="rect">
-            <a:avLst/>
-          </a:prstGeom>
-          <a:noFill/>
-          <a:extLst>
-            <a:ext uri="{909E8E84-426E-40DD-AFC4-6F175D3DCCD1}">
-              <a14:hiddenFill xmlns:a14="http://schemas.microsoft.com/office/drawing/2010/main">
-                <a:solidFill>
-                  <a:srgbClr val="FFFFFF"/>
-                </a:solidFill>
-              </a14:hiddenFill>
-            </a:ext>
-          </a:extLst>
-        </p:spPr>
-      </p:pic>
-    </p:spTree>
-  </p:cSld>
-  <p:clrMapOvr>
-    <a:masterClrMapping/>
-  </p:clrMapOvr>
-  <p:transition spd="med" advClick="0">
     <p:wipe dir="r"/>
   </p:transition>
   <p:timing>

--- a/ppt/chapter 10.pptx
+++ b/ppt/chapter 10.pptx
@@ -17963,127 +17963,13 @@
               <a:buNone/>
             </a:pPr>
             <a:r>
-              <a:rPr lang="en-US" altLang="zh-CN" sz="1600" dirty="0">
-                <a:solidFill>
-                  <a:srgbClr val="0000FF"/>
-                </a:solidFill>
-                <a:ea typeface="宋体" panose="02010600030101010101" pitchFamily="2" charset="-122"/>
-              </a:rPr>
-              <a:t>public:</a:t>
-            </a:r>
-          </a:p>
-          <a:p>
-            <a:pPr marL="0" indent="0">
-              <a:buNone/>
-            </a:pPr>
-            <a:r>
               <a:rPr lang="en-US" altLang="zh-CN" sz="1600" dirty="0" smtClean="0">
                 <a:solidFill>
                   <a:srgbClr val="0000FF"/>
                 </a:solidFill>
                 <a:ea typeface="宋体" panose="02010600030101010101" pitchFamily="2" charset="-122"/>
               </a:rPr>
-              <a:t>	</a:t>
-            </a:r>
-            <a:r>
-              <a:rPr lang="en-US" altLang="zh-CN" sz="1600" dirty="0" err="1" smtClean="0">
-                <a:solidFill>
-                  <a:srgbClr val="0000FF"/>
-                </a:solidFill>
-                <a:ea typeface="宋体" panose="02010600030101010101" pitchFamily="2" charset="-122"/>
-              </a:rPr>
-              <a:t>int</a:t>
-            </a:r>
-            <a:r>
-              <a:rPr lang="en-US" altLang="zh-CN" sz="1600" dirty="0" smtClean="0">
-                <a:solidFill>
-                  <a:srgbClr val="0000FF"/>
-                </a:solidFill>
-                <a:ea typeface="宋体" panose="02010600030101010101" pitchFamily="2" charset="-122"/>
-              </a:rPr>
-              <a:t> </a:t>
-            </a:r>
-            <a:r>
-              <a:rPr lang="en-US" altLang="zh-CN" sz="1600" dirty="0">
-                <a:solidFill>
-                  <a:srgbClr val="0000FF"/>
-                </a:solidFill>
-                <a:ea typeface="宋体" panose="02010600030101010101" pitchFamily="2" charset="-122"/>
-              </a:rPr>
-              <a:t>x;</a:t>
-            </a:r>
-          </a:p>
-          <a:p>
-            <a:pPr marL="0" indent="0">
-              <a:buNone/>
-            </a:pPr>
-            <a:r>
-              <a:rPr lang="en-US" altLang="zh-CN" sz="1600" dirty="0">
-                <a:solidFill>
-                  <a:srgbClr val="0000FF"/>
-                </a:solidFill>
-                <a:ea typeface="宋体" panose="02010600030101010101" pitchFamily="2" charset="-122"/>
-              </a:rPr>
               <a:t>private:</a:t>
-            </a:r>
-          </a:p>
-          <a:p>
-            <a:pPr marL="0" indent="0">
-              <a:buNone/>
-            </a:pPr>
-            <a:r>
-              <a:rPr lang="en-US" altLang="zh-CN" sz="1600" dirty="0">
-                <a:solidFill>
-                  <a:srgbClr val="0000FF"/>
-                </a:solidFill>
-                <a:ea typeface="宋体" panose="02010600030101010101" pitchFamily="2" charset="-122"/>
-              </a:rPr>
-              <a:t>	void </a:t>
-            </a:r>
-            <a:r>
-              <a:rPr lang="en-US" altLang="zh-CN" sz="1600" dirty="0" err="1">
-                <a:solidFill>
-                  <a:srgbClr val="0000FF"/>
-                </a:solidFill>
-                <a:ea typeface="宋体" panose="02010600030101010101" pitchFamily="2" charset="-122"/>
-              </a:rPr>
-              <a:t>setX</a:t>
-            </a:r>
-            <a:r>
-              <a:rPr lang="en-US" altLang="zh-CN" sz="1600" dirty="0">
-                <a:solidFill>
-                  <a:srgbClr val="0000FF"/>
-                </a:solidFill>
-                <a:ea typeface="宋体" panose="02010600030101010101" pitchFamily="2" charset="-122"/>
-              </a:rPr>
-              <a:t>(</a:t>
-            </a:r>
-            <a:r>
-              <a:rPr lang="en-US" altLang="zh-CN" sz="1600" dirty="0" err="1">
-                <a:solidFill>
-                  <a:srgbClr val="0000FF"/>
-                </a:solidFill>
-                <a:ea typeface="宋体" panose="02010600030101010101" pitchFamily="2" charset="-122"/>
-              </a:rPr>
-              <a:t>int</a:t>
-            </a:r>
-            <a:r>
-              <a:rPr lang="en-US" altLang="zh-CN" sz="1600" dirty="0">
-                <a:solidFill>
-                  <a:srgbClr val="0000FF"/>
-                </a:solidFill>
-                <a:ea typeface="宋体" panose="02010600030101010101" pitchFamily="2" charset="-122"/>
-              </a:rPr>
-              <a:t> </a:t>
-            </a:r>
-            <a:r>
-              <a:rPr lang="en-US" altLang="zh-CN" sz="1600" dirty="0" smtClean="0">
-                <a:solidFill>
-                  <a:srgbClr val="0000FF"/>
-                </a:solidFill>
-                <a:ea typeface="宋体" panose="02010600030101010101" pitchFamily="2" charset="-122"/>
-              </a:rPr>
-              <a:t>a); </a:t>
             </a:r>
             <a:endParaRPr lang="en-US" altLang="zh-CN" sz="1600" dirty="0">
               <a:solidFill>
@@ -18097,49 +17983,40 @@
               <a:buNone/>
             </a:pPr>
             <a:r>
+              <a:rPr lang="en-US" altLang="zh-CN" sz="1600" dirty="0" smtClean="0">
+                <a:solidFill>
+                  <a:srgbClr val="0000FF"/>
+                </a:solidFill>
+                <a:ea typeface="宋体" panose="02010600030101010101" pitchFamily="2" charset="-122"/>
+              </a:rPr>
+              <a:t>	</a:t>
+            </a:r>
+            <a:r>
+              <a:rPr lang="en-US" altLang="zh-CN" sz="1600" dirty="0" err="1" smtClean="0">
+                <a:solidFill>
+                  <a:srgbClr val="0000FF"/>
+                </a:solidFill>
+                <a:ea typeface="宋体" panose="02010600030101010101" pitchFamily="2" charset="-122"/>
+              </a:rPr>
+              <a:t>int</a:t>
+            </a:r>
+            <a:r>
+              <a:rPr lang="en-US" altLang="zh-CN" sz="1600" dirty="0" smtClean="0">
+                <a:solidFill>
+                  <a:srgbClr val="0000FF"/>
+                </a:solidFill>
+                <a:ea typeface="宋体" panose="02010600030101010101" pitchFamily="2" charset="-122"/>
+              </a:rPr>
+              <a:t> </a:t>
+            </a:r>
+            <a:r>
               <a:rPr lang="en-US" altLang="zh-CN" sz="1600" dirty="0">
                 <a:solidFill>
                   <a:srgbClr val="0000FF"/>
                 </a:solidFill>
                 <a:ea typeface="宋体" panose="02010600030101010101" pitchFamily="2" charset="-122"/>
               </a:rPr>
-              <a:t>	</a:t>
-            </a:r>
-            <a:r>
-              <a:rPr lang="en-US" altLang="zh-CN" sz="1600" dirty="0" err="1">
-                <a:solidFill>
-                  <a:srgbClr val="0000FF"/>
-                </a:solidFill>
-                <a:ea typeface="宋体" panose="02010600030101010101" pitchFamily="2" charset="-122"/>
-              </a:rPr>
-              <a:t>int</a:t>
-            </a:r>
-            <a:r>
-              <a:rPr lang="en-US" altLang="zh-CN" sz="1600" dirty="0">
-                <a:solidFill>
-                  <a:srgbClr val="0000FF"/>
-                </a:solidFill>
-                <a:ea typeface="宋体" panose="02010600030101010101" pitchFamily="2" charset="-122"/>
-              </a:rPr>
-              <a:t> </a:t>
-            </a:r>
-            <a:r>
-              <a:rPr lang="en-US" altLang="zh-CN" sz="1600" dirty="0" err="1">
-                <a:solidFill>
-                  <a:srgbClr val="0000FF"/>
-                </a:solidFill>
-                <a:ea typeface="宋体" panose="02010600030101010101" pitchFamily="2" charset="-122"/>
-              </a:rPr>
-              <a:t>getX</a:t>
-            </a:r>
-            <a:r>
-              <a:rPr lang="en-US" altLang="zh-CN" sz="1600" dirty="0">
-                <a:solidFill>
-                  <a:srgbClr val="0000FF"/>
-                </a:solidFill>
-                <a:ea typeface="宋体" panose="02010600030101010101" pitchFamily="2" charset="-122"/>
-              </a:rPr>
-              <a:t>(){</a:t>
+              <a:t>x;</a:t>
             </a:r>
           </a:p>
           <a:p>
@@ -18147,14 +18024,20 @@
               <a:buNone/>
             </a:pPr>
             <a:r>
-              <a:rPr lang="en-US" altLang="zh-CN" sz="1600" dirty="0">
-                <a:solidFill>
-                  <a:srgbClr val="0000FF"/>
-                </a:solidFill>
-                <a:ea typeface="宋体" panose="02010600030101010101" pitchFamily="2" charset="-122"/>
-              </a:rPr>
-              <a:t>		return x;</a:t>
-            </a:r>
+              <a:rPr lang="en-US" altLang="zh-CN" sz="1600" dirty="0" smtClean="0">
+                <a:solidFill>
+                  <a:srgbClr val="0000FF"/>
+                </a:solidFill>
+                <a:ea typeface="宋体" panose="02010600030101010101" pitchFamily="2" charset="-122"/>
+              </a:rPr>
+              <a:t>public:</a:t>
+            </a:r>
+            <a:endParaRPr lang="en-US" altLang="zh-CN" sz="1600" dirty="0">
+              <a:solidFill>
+                <a:srgbClr val="0000FF"/>
+              </a:solidFill>
+              <a:ea typeface="宋体" panose="02010600030101010101" pitchFamily="2" charset="-122"/>
+            </a:endParaRPr>
           </a:p>
           <a:p>
             <a:pPr marL="0" indent="0">
@@ -18167,21 +18050,108 @@
                 </a:solidFill>
                 <a:ea typeface="宋体" panose="02010600030101010101" pitchFamily="2" charset="-122"/>
               </a:rPr>
-              <a:t>	}</a:t>
-            </a:r>
+              <a:t>	void </a:t>
+            </a:r>
+            <a:r>
+              <a:rPr lang="en-US" altLang="zh-CN" sz="1600" dirty="0" err="1">
+                <a:solidFill>
+                  <a:srgbClr val="0000FF"/>
+                </a:solidFill>
+                <a:ea typeface="宋体" panose="02010600030101010101" pitchFamily="2" charset="-122"/>
+              </a:rPr>
+              <a:t>setX</a:t>
+            </a:r>
+            <a:r>
+              <a:rPr lang="en-US" altLang="zh-CN" sz="1600" dirty="0">
+                <a:solidFill>
+                  <a:srgbClr val="0000FF"/>
+                </a:solidFill>
+                <a:ea typeface="宋体" panose="02010600030101010101" pitchFamily="2" charset="-122"/>
+              </a:rPr>
+              <a:t>(</a:t>
+            </a:r>
+            <a:r>
+              <a:rPr lang="en-US" altLang="zh-CN" sz="1600" dirty="0" err="1">
+                <a:solidFill>
+                  <a:srgbClr val="0000FF"/>
+                </a:solidFill>
+                <a:ea typeface="宋体" panose="02010600030101010101" pitchFamily="2" charset="-122"/>
+              </a:rPr>
+              <a:t>int</a:t>
+            </a:r>
+            <a:r>
+              <a:rPr lang="en-US" altLang="zh-CN" sz="1600" dirty="0">
+                <a:solidFill>
+                  <a:srgbClr val="0000FF"/>
+                </a:solidFill>
+                <a:ea typeface="宋体" panose="02010600030101010101" pitchFamily="2" charset="-122"/>
+              </a:rPr>
+              <a:t> </a:t>
+            </a:r>
+            <a:r>
+              <a:rPr lang="en-US" altLang="zh-CN" sz="1600" dirty="0" smtClean="0">
+                <a:solidFill>
+                  <a:srgbClr val="0000FF"/>
+                </a:solidFill>
+                <a:ea typeface="宋体" panose="02010600030101010101" pitchFamily="2" charset="-122"/>
+              </a:rPr>
+              <a:t>a); </a:t>
+            </a:r>
+            <a:endParaRPr lang="en-US" altLang="zh-CN" sz="1600" dirty="0">
+              <a:solidFill>
+                <a:srgbClr val="0000FF"/>
+              </a:solidFill>
+              <a:ea typeface="宋体" panose="02010600030101010101" pitchFamily="2" charset="-122"/>
+            </a:endParaRPr>
           </a:p>
           <a:p>
             <a:pPr marL="0" indent="0">
               <a:buNone/>
             </a:pPr>
             <a:r>
-              <a:rPr lang="en-US" altLang="zh-CN" sz="1600" dirty="0" smtClean="0">
-                <a:solidFill>
-                  <a:srgbClr val="0000FF"/>
-                </a:solidFill>
-                <a:ea typeface="宋体" panose="02010600030101010101" pitchFamily="2" charset="-122"/>
-              </a:rPr>
-              <a:t>};</a:t>
+              <a:rPr lang="en-US" altLang="zh-CN" sz="1600" dirty="0">
+                <a:solidFill>
+                  <a:srgbClr val="0000FF"/>
+                </a:solidFill>
+                <a:ea typeface="宋体" panose="02010600030101010101" pitchFamily="2" charset="-122"/>
+              </a:rPr>
+              <a:t>	</a:t>
+            </a:r>
+            <a:r>
+              <a:rPr lang="en-US" altLang="zh-CN" sz="1600" dirty="0" err="1">
+                <a:solidFill>
+                  <a:srgbClr val="0000FF"/>
+                </a:solidFill>
+                <a:ea typeface="宋体" panose="02010600030101010101" pitchFamily="2" charset="-122"/>
+              </a:rPr>
+              <a:t>int</a:t>
+            </a:r>
+            <a:r>
+              <a:rPr lang="en-US" altLang="zh-CN" sz="1600" dirty="0">
+                <a:solidFill>
+                  <a:srgbClr val="0000FF"/>
+                </a:solidFill>
+                <a:ea typeface="宋体" panose="02010600030101010101" pitchFamily="2" charset="-122"/>
+              </a:rPr>
+              <a:t> </a:t>
+            </a:r>
+            <a:r>
+              <a:rPr lang="en-US" altLang="zh-CN" sz="1600" dirty="0" err="1">
+                <a:solidFill>
+                  <a:srgbClr val="0000FF"/>
+                </a:solidFill>
+                <a:ea typeface="宋体" panose="02010600030101010101" pitchFamily="2" charset="-122"/>
+              </a:rPr>
+              <a:t>getX</a:t>
+            </a:r>
+            <a:r>
+              <a:rPr lang="en-US" altLang="zh-CN" sz="1600" dirty="0">
+                <a:solidFill>
+                  <a:srgbClr val="0000FF"/>
+                </a:solidFill>
+                <a:ea typeface="宋体" panose="02010600030101010101" pitchFamily="2" charset="-122"/>
+              </a:rPr>
+              <a:t>(){</a:t>
             </a:r>
           </a:p>
           <a:p>
@@ -18195,52 +18165,7 @@
                 </a:solidFill>
                 <a:ea typeface="宋体" panose="02010600030101010101" pitchFamily="2" charset="-122"/>
               </a:rPr>
-              <a:t>v</a:t>
-            </a:r>
-            <a:r>
-              <a:rPr lang="en-US" altLang="zh-CN" sz="1600" dirty="0" smtClean="0">
-                <a:solidFill>
-                  <a:srgbClr val="0000FF"/>
-                </a:solidFill>
-                <a:ea typeface="宋体" panose="02010600030101010101" pitchFamily="2" charset="-122"/>
-              </a:rPr>
-              <a:t>oid </a:t>
-            </a:r>
-            <a:r>
-              <a:rPr lang="en-US" altLang="zh-CN" sz="1600" dirty="0" err="1" smtClean="0">
-                <a:solidFill>
-                  <a:srgbClr val="0000FF"/>
-                </a:solidFill>
-                <a:ea typeface="宋体" panose="02010600030101010101" pitchFamily="2" charset="-122"/>
-              </a:rPr>
-              <a:t>class_name</a:t>
-            </a:r>
-            <a:r>
-              <a:rPr lang="en-US" altLang="zh-CN" sz="1600" dirty="0" smtClean="0">
-                <a:solidFill>
-                  <a:srgbClr val="0000FF"/>
-                </a:solidFill>
-                <a:ea typeface="宋体" panose="02010600030101010101" pitchFamily="2" charset="-122"/>
-              </a:rPr>
-              <a:t>::( </a:t>
-            </a:r>
-            <a:r>
-              <a:rPr lang="en-US" altLang="zh-CN" sz="1600" dirty="0" err="1" smtClean="0">
-                <a:solidFill>
-                  <a:srgbClr val="0000FF"/>
-                </a:solidFill>
-                <a:ea typeface="宋体" panose="02010600030101010101" pitchFamily="2" charset="-122"/>
-              </a:rPr>
-              <a:t>int</a:t>
-            </a:r>
-            <a:r>
-              <a:rPr lang="en-US" altLang="zh-CN" sz="1600" dirty="0" smtClean="0">
-                <a:solidFill>
-                  <a:srgbClr val="0000FF"/>
-                </a:solidFill>
-                <a:ea typeface="宋体" panose="02010600030101010101" pitchFamily="2" charset="-122"/>
-              </a:rPr>
-              <a:t> a){</a:t>
+              <a:t>		return x;</a:t>
             </a:r>
           </a:p>
           <a:p>
@@ -18248,13 +18173,13 @@
               <a:buNone/>
             </a:pPr>
             <a:r>
-              <a:rPr lang="en-US" altLang="zh-CN" sz="1600" dirty="0" smtClean="0">
-                <a:solidFill>
-                  <a:srgbClr val="0000FF"/>
-                </a:solidFill>
-                <a:ea typeface="宋体" panose="02010600030101010101" pitchFamily="2" charset="-122"/>
-              </a:rPr>
-              <a:t>	X=a;</a:t>
+              <a:rPr lang="en-US" altLang="zh-CN" sz="1600" dirty="0">
+                <a:solidFill>
+                  <a:srgbClr val="0000FF"/>
+                </a:solidFill>
+                <a:ea typeface="宋体" panose="02010600030101010101" pitchFamily="2" charset="-122"/>
+              </a:rPr>
+              <a:t>	}</a:t>
             </a:r>
           </a:p>
           <a:p>
@@ -18268,7 +18193,7 @@
                 </a:solidFill>
                 <a:ea typeface="宋体" panose="02010600030101010101" pitchFamily="2" charset="-122"/>
               </a:rPr>
-              <a:t>}</a:t>
+              <a:t>};</a:t>
             </a:r>
           </a:p>
           <a:p>
@@ -18276,13 +18201,31 @@
               <a:buNone/>
             </a:pPr>
             <a:r>
+              <a:rPr lang="en-US" altLang="zh-CN" sz="1600" dirty="0">
+                <a:solidFill>
+                  <a:srgbClr val="0000FF"/>
+                </a:solidFill>
+                <a:ea typeface="宋体" panose="02010600030101010101" pitchFamily="2" charset="-122"/>
+              </a:rPr>
+              <a:t>v</a:t>
+            </a:r>
+            <a:r>
+              <a:rPr lang="en-US" altLang="zh-CN" sz="1600" dirty="0" smtClean="0">
+                <a:solidFill>
+                  <a:srgbClr val="0000FF"/>
+                </a:solidFill>
+                <a:ea typeface="宋体" panose="02010600030101010101" pitchFamily="2" charset="-122"/>
+              </a:rPr>
+              <a:t>oid </a:t>
+            </a:r>
+            <a:r>
               <a:rPr lang="en-US" altLang="zh-CN" sz="1600" dirty="0" err="1" smtClean="0">
                 <a:solidFill>
                   <a:srgbClr val="0000FF"/>
                 </a:solidFill>
                 <a:ea typeface="宋体" panose="02010600030101010101" pitchFamily="2" charset="-122"/>
               </a:rPr>
-              <a:t>Int</a:t>
+              <a:t>class_name</a:t>
             </a:r>
             <a:r>
               <a:rPr lang="en-US" altLang="zh-CN" sz="1600" dirty="0" smtClean="0">
@@ -18291,7 +18234,43 @@
                 </a:solidFill>
                 <a:ea typeface="宋体" panose="02010600030101010101" pitchFamily="2" charset="-122"/>
               </a:rPr>
-              <a:t> main(){</a:t>
+              <a:t>::</a:t>
+            </a:r>
+            <a:r>
+              <a:rPr lang="en-US" altLang="zh-CN" sz="1600" dirty="0" err="1" smtClean="0">
+                <a:solidFill>
+                  <a:srgbClr val="0000FF"/>
+                </a:solidFill>
+                <a:ea typeface="宋体" panose="02010600030101010101" pitchFamily="2" charset="-122"/>
+              </a:rPr>
+              <a:t>setX</a:t>
+            </a:r>
+            <a:r>
+              <a:rPr lang="en-US" altLang="zh-CN" sz="1600" dirty="0" smtClean="0">
+                <a:solidFill>
+                  <a:srgbClr val="0000FF"/>
+                </a:solidFill>
+                <a:ea typeface="宋体" panose="02010600030101010101" pitchFamily="2" charset="-122"/>
+              </a:rPr>
+              <a:t>( </a:t>
+            </a:r>
+            <a:r>
+              <a:rPr lang="en-US" altLang="zh-CN" sz="1600" dirty="0" err="1" smtClean="0">
+                <a:solidFill>
+                  <a:srgbClr val="0000FF"/>
+                </a:solidFill>
+                <a:ea typeface="宋体" panose="02010600030101010101" pitchFamily="2" charset="-122"/>
+              </a:rPr>
+              <a:t>int</a:t>
+            </a:r>
+            <a:r>
+              <a:rPr lang="en-US" altLang="zh-CN" sz="1600" dirty="0" smtClean="0">
+                <a:solidFill>
+                  <a:srgbClr val="0000FF"/>
+                </a:solidFill>
+                <a:ea typeface="宋体" panose="02010600030101010101" pitchFamily="2" charset="-122"/>
+              </a:rPr>
+              <a:t> a){</a:t>
             </a:r>
           </a:p>
           <a:p>
@@ -18305,16 +18284,7 @@
                 </a:solidFill>
                 <a:ea typeface="宋体" panose="02010600030101010101" pitchFamily="2" charset="-122"/>
               </a:rPr>
-              <a:t>   </a:t>
-            </a:r>
-            <a:r>
-              <a:rPr lang="en-US" altLang="zh-CN" sz="1600" dirty="0" err="1" smtClean="0">
-                <a:solidFill>
-                  <a:srgbClr val="0000FF"/>
-                </a:solidFill>
-                <a:ea typeface="宋体" panose="02010600030101010101" pitchFamily="2" charset="-122"/>
-              </a:rPr>
-              <a:t>class_name</a:t>
+              <a:t>	</a:t>
             </a:r>
             <a:r>
               <a:rPr lang="en-US" altLang="zh-CN" sz="1600" dirty="0" smtClean="0">
@@ -18323,7 +18293,16 @@
                 </a:solidFill>
                 <a:ea typeface="宋体" panose="02010600030101010101" pitchFamily="2" charset="-122"/>
               </a:rPr>
-              <a:t> A;</a:t>
+              <a:t>x=a</a:t>
+            </a:r>
+            <a:r>
+              <a:rPr lang="en-US" altLang="zh-CN" sz="1600" dirty="0" smtClean="0">
+                <a:solidFill>
+                  <a:srgbClr val="0000FF"/>
+                </a:solidFill>
+                <a:ea typeface="宋体" panose="02010600030101010101" pitchFamily="2" charset="-122"/>
+              </a:rPr>
+              <a:t>;</a:t>
             </a:r>
           </a:p>
           <a:p>
@@ -18331,6 +18310,90 @@
               <a:buNone/>
             </a:pPr>
             <a:r>
+              <a:rPr lang="en-US" altLang="zh-CN" sz="1600" dirty="0" smtClean="0">
+                <a:solidFill>
+                  <a:srgbClr val="0000FF"/>
+                </a:solidFill>
+                <a:ea typeface="宋体" panose="02010600030101010101" pitchFamily="2" charset="-122"/>
+              </a:rPr>
+              <a:t>}</a:t>
+            </a:r>
+          </a:p>
+          <a:p>
+            <a:pPr marL="0" indent="0">
+              <a:buNone/>
+            </a:pPr>
+            <a:r>
+              <a:rPr lang="en-US" altLang="zh-CN" sz="1600" dirty="0" err="1" smtClean="0">
+                <a:solidFill>
+                  <a:srgbClr val="0000FF"/>
+                </a:solidFill>
+                <a:ea typeface="宋体" panose="02010600030101010101" pitchFamily="2" charset="-122"/>
+              </a:rPr>
+              <a:t>Int</a:t>
+            </a:r>
+            <a:r>
+              <a:rPr lang="en-US" altLang="zh-CN" sz="1600" dirty="0" smtClean="0">
+                <a:solidFill>
+                  <a:srgbClr val="0000FF"/>
+                </a:solidFill>
+                <a:ea typeface="宋体" panose="02010600030101010101" pitchFamily="2" charset="-122"/>
+              </a:rPr>
+              <a:t> main(){</a:t>
+            </a:r>
+          </a:p>
+          <a:p>
+            <a:pPr marL="0" indent="0">
+              <a:buNone/>
+            </a:pPr>
+            <a:r>
+              <a:rPr lang="en-US" altLang="zh-CN" sz="1600" dirty="0" smtClean="0">
+                <a:solidFill>
+                  <a:srgbClr val="0000FF"/>
+                </a:solidFill>
+                <a:ea typeface="宋体" panose="02010600030101010101" pitchFamily="2" charset="-122"/>
+              </a:rPr>
+              <a:t>   </a:t>
+            </a:r>
+            <a:r>
+              <a:rPr lang="en-US" altLang="zh-CN" sz="1600" dirty="0" err="1" smtClean="0">
+                <a:solidFill>
+                  <a:srgbClr val="0000FF"/>
+                </a:solidFill>
+                <a:ea typeface="宋体" panose="02010600030101010101" pitchFamily="2" charset="-122"/>
+              </a:rPr>
+              <a:t>class_name</a:t>
+            </a:r>
+            <a:r>
+              <a:rPr lang="en-US" altLang="zh-CN" sz="1600" dirty="0" smtClean="0">
+                <a:solidFill>
+                  <a:srgbClr val="0000FF"/>
+                </a:solidFill>
+                <a:ea typeface="宋体" panose="02010600030101010101" pitchFamily="2" charset="-122"/>
+              </a:rPr>
+              <a:t> </a:t>
+            </a:r>
+            <a:r>
+              <a:rPr lang="en-US" altLang="zh-CN" sz="1600" dirty="0" smtClean="0">
+                <a:solidFill>
+                  <a:srgbClr val="0000FF"/>
+                </a:solidFill>
+                <a:ea typeface="宋体" panose="02010600030101010101" pitchFamily="2" charset="-122"/>
+              </a:rPr>
+              <a:t> temp;</a:t>
+            </a:r>
+            <a:endParaRPr lang="en-US" altLang="zh-CN" sz="1600" dirty="0" smtClean="0">
+              <a:solidFill>
+                <a:srgbClr val="0000FF"/>
+              </a:solidFill>
+              <a:ea typeface="宋体" panose="02010600030101010101" pitchFamily="2" charset="-122"/>
+            </a:endParaRPr>
+          </a:p>
+          <a:p>
+            <a:pPr marL="0" indent="0">
+              <a:buNone/>
+            </a:pPr>
+            <a:r>
               <a:rPr lang="en-US" altLang="zh-CN" sz="1600" dirty="0">
                 <a:solidFill>
                   <a:srgbClr val="0000FF"/>
@@ -18355,7 +18418,16 @@
                 </a:solidFill>
                 <a:ea typeface="宋体" panose="02010600030101010101" pitchFamily="2" charset="-122"/>
               </a:rPr>
-              <a:t>A.setX</a:t>
+              <a:t>temp</a:t>
+            </a:r>
+            <a:r>
+              <a:rPr lang="en-US" altLang="zh-CN" sz="1600" dirty="0" err="1" smtClean="0">
+                <a:solidFill>
+                  <a:srgbClr val="0000FF"/>
+                </a:solidFill>
+                <a:ea typeface="宋体" panose="02010600030101010101" pitchFamily="2" charset="-122"/>
+              </a:rPr>
+              <a:t>.setX</a:t>
             </a:r>
             <a:r>
               <a:rPr lang="en-US" altLang="zh-CN" sz="1600" dirty="0" smtClean="0">
@@ -18364,7 +18436,16 @@
                 </a:solidFill>
                 <a:ea typeface="宋体" panose="02010600030101010101" pitchFamily="2" charset="-122"/>
               </a:rPr>
-              <a:t>(2);</a:t>
+              <a:t>(2</a:t>
+            </a:r>
+            <a:r>
+              <a:rPr lang="en-US" altLang="zh-CN" sz="1600" dirty="0" smtClean="0">
+                <a:solidFill>
+                  <a:srgbClr val="0000FF"/>
+                </a:solidFill>
+                <a:ea typeface="宋体" panose="02010600030101010101" pitchFamily="2" charset="-122"/>
+              </a:rPr>
+              <a:t>);</a:t>
             </a:r>
           </a:p>
           <a:p>
